--- a/presentation/Zabezpiecz swoje dane na przykładzie SQL Server Always Encrypted.pptx
+++ b/presentation/Zabezpiecz swoje dane na przykładzie SQL Server Always Encrypted.pptx
@@ -5,7 +5,7 @@
     <p:sldMasterId id="2147483648" r:id="rId1"/>
   </p:sldMasterIdLst>
   <p:notesMasterIdLst>
-    <p:notesMasterId r:id="rId17"/>
+    <p:notesMasterId r:id="rId19"/>
   </p:notesMasterIdLst>
   <p:sldIdLst>
     <p:sldId id="256" r:id="rId2"/>
@@ -18,11 +18,13 @@
     <p:sldId id="265" r:id="rId9"/>
     <p:sldId id="266" r:id="rId10"/>
     <p:sldId id="263" r:id="rId11"/>
-    <p:sldId id="262" r:id="rId12"/>
-    <p:sldId id="267" r:id="rId13"/>
-    <p:sldId id="268" r:id="rId14"/>
-    <p:sldId id="269" r:id="rId15"/>
-    <p:sldId id="270" r:id="rId16"/>
+    <p:sldId id="271" r:id="rId12"/>
+    <p:sldId id="272" r:id="rId13"/>
+    <p:sldId id="262" r:id="rId14"/>
+    <p:sldId id="267" r:id="rId15"/>
+    <p:sldId id="268" r:id="rId16"/>
+    <p:sldId id="269" r:id="rId17"/>
+    <p:sldId id="270" r:id="rId18"/>
   </p:sldIdLst>
   <p:sldSz cx="12192000" cy="6858000"/>
   <p:notesSz cx="6858000" cy="9144000"/>
@@ -4626,10 +4628,10 @@
       </p:grpSpPr>
       <p:sp>
         <p:nvSpPr>
-          <p:cNvPr id="2" name="Title 1">
-            <a:extLst>
-              <a:ext uri="{FF2B5EF4-FFF2-40B4-BE49-F238E27FC236}">
-                <a16:creationId xmlns:a16="http://schemas.microsoft.com/office/drawing/2014/main" id="{745E9FD6-A714-4710-A4BD-824C8A3BBF24}"/>
+          <p:cNvPr id="2" name="Tytuł 1">
+            <a:extLst>
+              <a:ext uri="{FF2B5EF4-FFF2-40B4-BE49-F238E27FC236}">
+                <a16:creationId xmlns:a16="http://schemas.microsoft.com/office/drawing/2014/main" id="{3143B76F-5784-43F6-88E2-5443B2498508}"/>
               </a:ext>
             </a:extLst>
           </p:cNvPr>
@@ -4647,15 +4649,40 @@
           <a:p>
             <a:r>
               <a:rPr lang="pl-PL" dirty="0"/>
-              <a:t>Demo</a:t>
-            </a:r>
+              <a:t>Rotacje kluczy</a:t>
+            </a:r>
+          </a:p>
+        </p:txBody>
+      </p:sp>
+      <p:sp>
+        <p:nvSpPr>
+          <p:cNvPr id="3" name="Symbol zastępczy zawartości 2">
+            <a:extLst>
+              <a:ext uri="{FF2B5EF4-FFF2-40B4-BE49-F238E27FC236}">
+                <a16:creationId xmlns:a16="http://schemas.microsoft.com/office/drawing/2014/main" id="{090FB535-44D7-4DD7-BD84-22DDFB8B7001}"/>
+              </a:ext>
+            </a:extLst>
+          </p:cNvPr>
+          <p:cNvSpPr>
+            <a:spLocks noGrp="1"/>
+          </p:cNvSpPr>
+          <p:nvPr>
+            <p:ph idx="1"/>
+          </p:nvPr>
+        </p:nvSpPr>
+        <p:spPr/>
+        <p:txBody>
+          <a:bodyPr/>
+          <a:lstStyle/>
+          <a:p>
+            <a:endParaRPr lang="pl-PL" dirty="0"/>
           </a:p>
         </p:txBody>
       </p:sp>
     </p:spTree>
     <p:extLst>
       <p:ext uri="{BB962C8B-B14F-4D97-AF65-F5344CB8AC3E}">
-        <p14:creationId xmlns:p14="http://schemas.microsoft.com/office/powerpoint/2010/main" val="3874564869"/>
+        <p14:creationId xmlns:p14="http://schemas.microsoft.com/office/powerpoint/2010/main" val="2912622225"/>
       </p:ext>
     </p:extLst>
   </p:cSld>
@@ -4697,7 +4724,7 @@
           <p:cNvPr id="2" name="Tytuł 1">
             <a:extLst>
               <a:ext uri="{FF2B5EF4-FFF2-40B4-BE49-F238E27FC236}">
-                <a16:creationId xmlns:a16="http://schemas.microsoft.com/office/drawing/2014/main" id="{72FAA12E-658B-434E-86A2-B5C77B507388}"/>
+                <a16:creationId xmlns:a16="http://schemas.microsoft.com/office/drawing/2014/main" id="{3143B76F-5784-43F6-88E2-5443B2498508}"/>
               </a:ext>
             </a:extLst>
           </p:cNvPr>
@@ -4715,91 +4742,40 @@
           <a:p>
             <a:r>
               <a:rPr lang="pl-PL" dirty="0"/>
-              <a:t>Wydajność</a:t>
-            </a:r>
-          </a:p>
-        </p:txBody>
-      </p:sp>
-      <p:pic>
-        <p:nvPicPr>
-          <p:cNvPr id="5" name="Symbol zastępczy zawartości 4">
-            <a:extLst>
-              <a:ext uri="{FF2B5EF4-FFF2-40B4-BE49-F238E27FC236}">
-                <a16:creationId xmlns:a16="http://schemas.microsoft.com/office/drawing/2014/main" id="{B50BAFAF-63AF-4092-8973-28180BC0E43E}"/>
-              </a:ext>
-            </a:extLst>
-          </p:cNvPr>
-          <p:cNvPicPr>
-            <a:picLocks noGrp="1" noChangeAspect="1"/>
-          </p:cNvPicPr>
+              <a:t>Migracje danych</a:t>
+            </a:r>
+          </a:p>
+        </p:txBody>
+      </p:sp>
+      <p:sp>
+        <p:nvSpPr>
+          <p:cNvPr id="3" name="Symbol zastępczy zawartości 2">
+            <a:extLst>
+              <a:ext uri="{FF2B5EF4-FFF2-40B4-BE49-F238E27FC236}">
+                <a16:creationId xmlns:a16="http://schemas.microsoft.com/office/drawing/2014/main" id="{090FB535-44D7-4DD7-BD84-22DDFB8B7001}"/>
+              </a:ext>
+            </a:extLst>
+          </p:cNvPr>
+          <p:cNvSpPr>
+            <a:spLocks noGrp="1"/>
+          </p:cNvSpPr>
           <p:nvPr>
             <p:ph idx="1"/>
           </p:nvPr>
-        </p:nvPicPr>
-        <p:blipFill>
-          <a:blip r:embed="rId3">
-            <a:extLst>
-              <a:ext uri="{28A0092B-C50C-407E-A947-70E740481C1C}">
-                <a14:useLocalDpi xmlns:a14="http://schemas.microsoft.com/office/drawing/2010/main" val="0"/>
-              </a:ext>
-            </a:extLst>
-          </a:blip>
-          <a:stretch>
-            <a:fillRect/>
-          </a:stretch>
-        </p:blipFill>
-        <p:spPr>
-          <a:xfrm>
-            <a:off x="1158083" y="1351900"/>
-            <a:ext cx="8547777" cy="4752232"/>
-          </a:xfrm>
-        </p:spPr>
-      </p:pic>
-      <p:sp>
-        <p:nvSpPr>
-          <p:cNvPr id="6" name="pole tekstowe 5">
-            <a:extLst>
-              <a:ext uri="{FF2B5EF4-FFF2-40B4-BE49-F238E27FC236}">
-                <a16:creationId xmlns:a16="http://schemas.microsoft.com/office/drawing/2014/main" id="{FB749529-9872-4F65-A01E-7F5C8EB1927B}"/>
-              </a:ext>
-            </a:extLst>
-          </p:cNvPr>
-          <p:cNvSpPr txBox="1"/>
-          <p:nvPr/>
-        </p:nvSpPr>
-        <p:spPr>
-          <a:xfrm>
-            <a:off x="5847164" y="6194630"/>
-            <a:ext cx="5506636" cy="276999"/>
-          </a:xfrm>
-          <a:prstGeom prst="rect">
-            <a:avLst/>
-          </a:prstGeom>
-          <a:noFill/>
-        </p:spPr>
-        <p:txBody>
-          <a:bodyPr wrap="none" rtlCol="0">
-            <a:spAutoFit/>
-          </a:bodyPr>
+        </p:nvSpPr>
+        <p:spPr/>
+        <p:txBody>
+          <a:bodyPr/>
           <a:lstStyle/>
           <a:p>
-            <a:r>
-              <a:rPr lang="pl-PL" sz="1200" dirty="0">
-                <a:solidFill>
-                  <a:schemeClr val="bg1">
-                    <a:lumMod val="75000"/>
-                  </a:schemeClr>
-                </a:solidFill>
-              </a:rPr>
-              <a:t>https://sqlperformance.com/2015/08/sql-server-2016/perf-impact-always-encrypted</a:t>
-            </a:r>
+            <a:endParaRPr lang="pl-PL" dirty="0"/>
           </a:p>
         </p:txBody>
       </p:sp>
     </p:spTree>
     <p:extLst>
       <p:ext uri="{BB962C8B-B14F-4D97-AF65-F5344CB8AC3E}">
-        <p14:creationId xmlns:p14="http://schemas.microsoft.com/office/powerpoint/2010/main" val="3624638399"/>
+        <p14:creationId xmlns:p14="http://schemas.microsoft.com/office/powerpoint/2010/main" val="716740257"/>
       </p:ext>
     </p:extLst>
   </p:cSld>
@@ -4838,10 +4814,10 @@
       </p:grpSpPr>
       <p:sp>
         <p:nvSpPr>
-          <p:cNvPr id="2" name="Tytuł 1">
-            <a:extLst>
-              <a:ext uri="{FF2B5EF4-FFF2-40B4-BE49-F238E27FC236}">
-                <a16:creationId xmlns:a16="http://schemas.microsoft.com/office/drawing/2014/main" id="{72FAA12E-658B-434E-86A2-B5C77B507388}"/>
+          <p:cNvPr id="2" name="Title 1">
+            <a:extLst>
+              <a:ext uri="{FF2B5EF4-FFF2-40B4-BE49-F238E27FC236}">
+                <a16:creationId xmlns:a16="http://schemas.microsoft.com/office/drawing/2014/main" id="{745E9FD6-A714-4710-A4BD-824C8A3BBF24}"/>
               </a:ext>
             </a:extLst>
           </p:cNvPr>
@@ -4859,83 +4835,7 @@
           <a:p>
             <a:r>
               <a:rPr lang="pl-PL" dirty="0"/>
-              <a:t>Miejsce</a:t>
-            </a:r>
-          </a:p>
-        </p:txBody>
-      </p:sp>
-      <p:pic>
-        <p:nvPicPr>
-          <p:cNvPr id="8" name="Symbol zastępczy zawartości 7">
-            <a:extLst>
-              <a:ext uri="{FF2B5EF4-FFF2-40B4-BE49-F238E27FC236}">
-                <a16:creationId xmlns:a16="http://schemas.microsoft.com/office/drawing/2014/main" id="{AB083CB2-4E14-48ED-9613-A9875035E6AC}"/>
-              </a:ext>
-            </a:extLst>
-          </p:cNvPr>
-          <p:cNvPicPr>
-            <a:picLocks noGrp="1" noChangeAspect="1"/>
-          </p:cNvPicPr>
-          <p:nvPr>
-            <p:ph idx="1"/>
-          </p:nvPr>
-        </p:nvPicPr>
-        <p:blipFill>
-          <a:blip r:embed="rId3">
-            <a:extLst>
-              <a:ext uri="{28A0092B-C50C-407E-A947-70E740481C1C}">
-                <a14:useLocalDpi xmlns:a14="http://schemas.microsoft.com/office/drawing/2010/main" val="0"/>
-              </a:ext>
-            </a:extLst>
-          </a:blip>
-          <a:stretch>
-            <a:fillRect/>
-          </a:stretch>
-        </p:blipFill>
-        <p:spPr>
-          <a:xfrm>
-            <a:off x="1432193" y="1311704"/>
-            <a:ext cx="8354541" cy="4882926"/>
-          </a:xfrm>
-        </p:spPr>
-      </p:pic>
-      <p:sp>
-        <p:nvSpPr>
-          <p:cNvPr id="6" name="pole tekstowe 5">
-            <a:extLst>
-              <a:ext uri="{FF2B5EF4-FFF2-40B4-BE49-F238E27FC236}">
-                <a16:creationId xmlns:a16="http://schemas.microsoft.com/office/drawing/2014/main" id="{FB749529-9872-4F65-A01E-7F5C8EB1927B}"/>
-              </a:ext>
-            </a:extLst>
-          </p:cNvPr>
-          <p:cNvSpPr txBox="1"/>
-          <p:nvPr/>
-        </p:nvSpPr>
-        <p:spPr>
-          <a:xfrm>
-            <a:off x="5847164" y="6194630"/>
-            <a:ext cx="5506636" cy="276999"/>
-          </a:xfrm>
-          <a:prstGeom prst="rect">
-            <a:avLst/>
-          </a:prstGeom>
-          <a:noFill/>
-        </p:spPr>
-        <p:txBody>
-          <a:bodyPr wrap="none" rtlCol="0">
-            <a:spAutoFit/>
-          </a:bodyPr>
-          <a:lstStyle/>
-          <a:p>
-            <a:r>
-              <a:rPr lang="pl-PL" sz="1200" dirty="0">
-                <a:solidFill>
-                  <a:schemeClr val="bg1">
-                    <a:lumMod val="75000"/>
-                  </a:schemeClr>
-                </a:solidFill>
-              </a:rPr>
-              <a:t>https://sqlperformance.com/2015/08/sql-server-2016/perf-impact-always-encrypted</a:t>
+              <a:t>Demo</a:t>
             </a:r>
           </a:p>
         </p:txBody>
@@ -4943,7 +4843,7 @@
     </p:spTree>
     <p:extLst>
       <p:ext uri="{BB962C8B-B14F-4D97-AF65-F5344CB8AC3E}">
-        <p14:creationId xmlns:p14="http://schemas.microsoft.com/office/powerpoint/2010/main" val="1218132711"/>
+        <p14:creationId xmlns:p14="http://schemas.microsoft.com/office/powerpoint/2010/main" val="3874564869"/>
       </p:ext>
     </p:extLst>
   </p:cSld>
@@ -4985,6 +4885,294 @@
           <p:cNvPr id="2" name="Tytuł 1">
             <a:extLst>
               <a:ext uri="{FF2B5EF4-FFF2-40B4-BE49-F238E27FC236}">
+                <a16:creationId xmlns:a16="http://schemas.microsoft.com/office/drawing/2014/main" id="{72FAA12E-658B-434E-86A2-B5C77B507388}"/>
+              </a:ext>
+            </a:extLst>
+          </p:cNvPr>
+          <p:cNvSpPr>
+            <a:spLocks noGrp="1"/>
+          </p:cNvSpPr>
+          <p:nvPr>
+            <p:ph type="title"/>
+          </p:nvPr>
+        </p:nvSpPr>
+        <p:spPr/>
+        <p:txBody>
+          <a:bodyPr/>
+          <a:lstStyle/>
+          <a:p>
+            <a:r>
+              <a:rPr lang="pl-PL" dirty="0"/>
+              <a:t>Wydajność</a:t>
+            </a:r>
+          </a:p>
+        </p:txBody>
+      </p:sp>
+      <p:pic>
+        <p:nvPicPr>
+          <p:cNvPr id="5" name="Symbol zastępczy zawartości 4">
+            <a:extLst>
+              <a:ext uri="{FF2B5EF4-FFF2-40B4-BE49-F238E27FC236}">
+                <a16:creationId xmlns:a16="http://schemas.microsoft.com/office/drawing/2014/main" id="{B50BAFAF-63AF-4092-8973-28180BC0E43E}"/>
+              </a:ext>
+            </a:extLst>
+          </p:cNvPr>
+          <p:cNvPicPr>
+            <a:picLocks noGrp="1" noChangeAspect="1"/>
+          </p:cNvPicPr>
+          <p:nvPr>
+            <p:ph idx="1"/>
+          </p:nvPr>
+        </p:nvPicPr>
+        <p:blipFill>
+          <a:blip r:embed="rId3">
+            <a:extLst>
+              <a:ext uri="{28A0092B-C50C-407E-A947-70E740481C1C}">
+                <a14:useLocalDpi xmlns:a14="http://schemas.microsoft.com/office/drawing/2010/main" val="0"/>
+              </a:ext>
+            </a:extLst>
+          </a:blip>
+          <a:stretch>
+            <a:fillRect/>
+          </a:stretch>
+        </p:blipFill>
+        <p:spPr>
+          <a:xfrm>
+            <a:off x="1158083" y="1351900"/>
+            <a:ext cx="8547777" cy="4752232"/>
+          </a:xfrm>
+        </p:spPr>
+      </p:pic>
+      <p:sp>
+        <p:nvSpPr>
+          <p:cNvPr id="6" name="pole tekstowe 5">
+            <a:extLst>
+              <a:ext uri="{FF2B5EF4-FFF2-40B4-BE49-F238E27FC236}">
+                <a16:creationId xmlns:a16="http://schemas.microsoft.com/office/drawing/2014/main" id="{FB749529-9872-4F65-A01E-7F5C8EB1927B}"/>
+              </a:ext>
+            </a:extLst>
+          </p:cNvPr>
+          <p:cNvSpPr txBox="1"/>
+          <p:nvPr/>
+        </p:nvSpPr>
+        <p:spPr>
+          <a:xfrm>
+            <a:off x="5847164" y="6194630"/>
+            <a:ext cx="5506636" cy="276999"/>
+          </a:xfrm>
+          <a:prstGeom prst="rect">
+            <a:avLst/>
+          </a:prstGeom>
+          <a:noFill/>
+        </p:spPr>
+        <p:txBody>
+          <a:bodyPr wrap="none" rtlCol="0">
+            <a:spAutoFit/>
+          </a:bodyPr>
+          <a:lstStyle/>
+          <a:p>
+            <a:r>
+              <a:rPr lang="pl-PL" sz="1200" dirty="0">
+                <a:solidFill>
+                  <a:schemeClr val="bg1">
+                    <a:lumMod val="75000"/>
+                  </a:schemeClr>
+                </a:solidFill>
+              </a:rPr>
+              <a:t>https://sqlperformance.com/2015/08/sql-server-2016/perf-impact-always-encrypted</a:t>
+            </a:r>
+          </a:p>
+        </p:txBody>
+      </p:sp>
+    </p:spTree>
+    <p:extLst>
+      <p:ext uri="{BB962C8B-B14F-4D97-AF65-F5344CB8AC3E}">
+        <p14:creationId xmlns:p14="http://schemas.microsoft.com/office/powerpoint/2010/main" val="3624638399"/>
+      </p:ext>
+    </p:extLst>
+  </p:cSld>
+  <p:clrMapOvr>
+    <a:overrideClrMapping bg1="lt1" tx1="dk1" bg2="lt2" tx2="dk2" accent1="accent1" accent2="accent2" accent3="accent3" accent4="accent4" accent5="accent5" accent6="accent6" hlink="hlink" folHlink="folHlink"/>
+  </p:clrMapOvr>
+</p:sld>
+</file>
+
+<file path=ppt/slides/slide15.xml><?xml version="1.0" encoding="utf-8"?>
+<p:sld xmlns:a="http://schemas.openxmlformats.org/drawingml/2006/main" xmlns:r="http://schemas.openxmlformats.org/officeDocument/2006/relationships" xmlns:p="http://schemas.openxmlformats.org/presentationml/2006/main">
+  <p:cSld>
+    <p:bg>
+      <p:bgPr>
+        <a:solidFill>
+          <a:schemeClr val="bg1">
+            <a:lumMod val="95000"/>
+          </a:schemeClr>
+        </a:solidFill>
+        <a:effectLst/>
+      </p:bgPr>
+    </p:bg>
+    <p:spTree>
+      <p:nvGrpSpPr>
+        <p:cNvPr id="1" name=""/>
+        <p:cNvGrpSpPr/>
+        <p:nvPr/>
+      </p:nvGrpSpPr>
+      <p:grpSpPr>
+        <a:xfrm>
+          <a:off x="0" y="0"/>
+          <a:ext cx="0" cy="0"/>
+          <a:chOff x="0" y="0"/>
+          <a:chExt cx="0" cy="0"/>
+        </a:xfrm>
+      </p:grpSpPr>
+      <p:sp>
+        <p:nvSpPr>
+          <p:cNvPr id="2" name="Tytuł 1">
+            <a:extLst>
+              <a:ext uri="{FF2B5EF4-FFF2-40B4-BE49-F238E27FC236}">
+                <a16:creationId xmlns:a16="http://schemas.microsoft.com/office/drawing/2014/main" id="{72FAA12E-658B-434E-86A2-B5C77B507388}"/>
+              </a:ext>
+            </a:extLst>
+          </p:cNvPr>
+          <p:cNvSpPr>
+            <a:spLocks noGrp="1"/>
+          </p:cNvSpPr>
+          <p:nvPr>
+            <p:ph type="title"/>
+          </p:nvPr>
+        </p:nvSpPr>
+        <p:spPr/>
+        <p:txBody>
+          <a:bodyPr/>
+          <a:lstStyle/>
+          <a:p>
+            <a:r>
+              <a:rPr lang="pl-PL" dirty="0"/>
+              <a:t>Miejsce</a:t>
+            </a:r>
+          </a:p>
+        </p:txBody>
+      </p:sp>
+      <p:pic>
+        <p:nvPicPr>
+          <p:cNvPr id="8" name="Symbol zastępczy zawartości 7">
+            <a:extLst>
+              <a:ext uri="{FF2B5EF4-FFF2-40B4-BE49-F238E27FC236}">
+                <a16:creationId xmlns:a16="http://schemas.microsoft.com/office/drawing/2014/main" id="{AB083CB2-4E14-48ED-9613-A9875035E6AC}"/>
+              </a:ext>
+            </a:extLst>
+          </p:cNvPr>
+          <p:cNvPicPr>
+            <a:picLocks noGrp="1" noChangeAspect="1"/>
+          </p:cNvPicPr>
+          <p:nvPr>
+            <p:ph idx="1"/>
+          </p:nvPr>
+        </p:nvPicPr>
+        <p:blipFill>
+          <a:blip r:embed="rId3">
+            <a:extLst>
+              <a:ext uri="{28A0092B-C50C-407E-A947-70E740481C1C}">
+                <a14:useLocalDpi xmlns:a14="http://schemas.microsoft.com/office/drawing/2010/main" val="0"/>
+              </a:ext>
+            </a:extLst>
+          </a:blip>
+          <a:stretch>
+            <a:fillRect/>
+          </a:stretch>
+        </p:blipFill>
+        <p:spPr>
+          <a:xfrm>
+            <a:off x="1432193" y="1311704"/>
+            <a:ext cx="8354541" cy="4882926"/>
+          </a:xfrm>
+        </p:spPr>
+      </p:pic>
+      <p:sp>
+        <p:nvSpPr>
+          <p:cNvPr id="6" name="pole tekstowe 5">
+            <a:extLst>
+              <a:ext uri="{FF2B5EF4-FFF2-40B4-BE49-F238E27FC236}">
+                <a16:creationId xmlns:a16="http://schemas.microsoft.com/office/drawing/2014/main" id="{FB749529-9872-4F65-A01E-7F5C8EB1927B}"/>
+              </a:ext>
+            </a:extLst>
+          </p:cNvPr>
+          <p:cNvSpPr txBox="1"/>
+          <p:nvPr/>
+        </p:nvSpPr>
+        <p:spPr>
+          <a:xfrm>
+            <a:off x="5847164" y="6194630"/>
+            <a:ext cx="5506636" cy="276999"/>
+          </a:xfrm>
+          <a:prstGeom prst="rect">
+            <a:avLst/>
+          </a:prstGeom>
+          <a:noFill/>
+        </p:spPr>
+        <p:txBody>
+          <a:bodyPr wrap="none" rtlCol="0">
+            <a:spAutoFit/>
+          </a:bodyPr>
+          <a:lstStyle/>
+          <a:p>
+            <a:r>
+              <a:rPr lang="pl-PL" sz="1200" dirty="0">
+                <a:solidFill>
+                  <a:schemeClr val="bg1">
+                    <a:lumMod val="75000"/>
+                  </a:schemeClr>
+                </a:solidFill>
+              </a:rPr>
+              <a:t>https://sqlperformance.com/2015/08/sql-server-2016/perf-impact-always-encrypted</a:t>
+            </a:r>
+          </a:p>
+        </p:txBody>
+      </p:sp>
+    </p:spTree>
+    <p:extLst>
+      <p:ext uri="{BB962C8B-B14F-4D97-AF65-F5344CB8AC3E}">
+        <p14:creationId xmlns:p14="http://schemas.microsoft.com/office/powerpoint/2010/main" val="1218132711"/>
+      </p:ext>
+    </p:extLst>
+  </p:cSld>
+  <p:clrMapOvr>
+    <a:overrideClrMapping bg1="lt1" tx1="dk1" bg2="lt2" tx2="dk2" accent1="accent1" accent2="accent2" accent3="accent3" accent4="accent4" accent5="accent5" accent6="accent6" hlink="hlink" folHlink="folHlink"/>
+  </p:clrMapOvr>
+</p:sld>
+</file>
+
+<file path=ppt/slides/slide16.xml><?xml version="1.0" encoding="utf-8"?>
+<p:sld xmlns:a="http://schemas.openxmlformats.org/drawingml/2006/main" xmlns:r="http://schemas.openxmlformats.org/officeDocument/2006/relationships" xmlns:p="http://schemas.openxmlformats.org/presentationml/2006/main">
+  <p:cSld>
+    <p:bg>
+      <p:bgPr>
+        <a:solidFill>
+          <a:schemeClr val="bg1">
+            <a:lumMod val="95000"/>
+          </a:schemeClr>
+        </a:solidFill>
+        <a:effectLst/>
+      </p:bgPr>
+    </p:bg>
+    <p:spTree>
+      <p:nvGrpSpPr>
+        <p:cNvPr id="1" name=""/>
+        <p:cNvGrpSpPr/>
+        <p:nvPr/>
+      </p:nvGrpSpPr>
+      <p:grpSpPr>
+        <a:xfrm>
+          <a:off x="0" y="0"/>
+          <a:ext cx="0" cy="0"/>
+          <a:chOff x="0" y="0"/>
+          <a:chExt cx="0" cy="0"/>
+        </a:xfrm>
+      </p:grpSpPr>
+      <p:sp>
+        <p:nvSpPr>
+          <p:cNvPr id="2" name="Tytuł 1">
+            <a:extLst>
+              <a:ext uri="{FF2B5EF4-FFF2-40B4-BE49-F238E27FC236}">
                 <a16:creationId xmlns:a16="http://schemas.microsoft.com/office/drawing/2014/main" id="{E11C2F56-3D8F-42C6-87E9-FB1566CA3581}"/>
               </a:ext>
             </a:extLst>
@@ -5046,7 +5234,7 @@
 </p:sld>
 </file>
 
-<file path=ppt/slides/slide15.xml><?xml version="1.0" encoding="utf-8"?>
+<file path=ppt/slides/slide17.xml><?xml version="1.0" encoding="utf-8"?>
 <p:sld xmlns:a="http://schemas.openxmlformats.org/drawingml/2006/main" xmlns:r="http://schemas.openxmlformats.org/officeDocument/2006/relationships" xmlns:p="http://schemas.openxmlformats.org/presentationml/2006/main">
   <p:cSld>
     <p:spTree>
@@ -6707,6 +6895,42 @@
           </a:xfrm>
         </p:spPr>
       </p:pic>
+      <p:pic>
+        <p:nvPicPr>
+          <p:cNvPr id="7" name="Obraz 6">
+            <a:extLst>
+              <a:ext uri="{FF2B5EF4-FFF2-40B4-BE49-F238E27FC236}">
+                <a16:creationId xmlns:a16="http://schemas.microsoft.com/office/drawing/2014/main" id="{3401B1FB-51C6-4F3F-B908-17B776BAAF9D}"/>
+              </a:ext>
+            </a:extLst>
+          </p:cNvPr>
+          <p:cNvPicPr>
+            <a:picLocks noChangeAspect="1"/>
+          </p:cNvPicPr>
+          <p:nvPr/>
+        </p:nvPicPr>
+        <p:blipFill>
+          <a:blip r:embed="rId4">
+            <a:extLst>
+              <a:ext uri="{28A0092B-C50C-407E-A947-70E740481C1C}">
+                <a14:useLocalDpi xmlns:a14="http://schemas.microsoft.com/office/drawing/2010/main" val="0"/>
+              </a:ext>
+            </a:extLst>
+          </a:blip>
+          <a:stretch>
+            <a:fillRect/>
+          </a:stretch>
+        </p:blipFill>
+        <p:spPr>
+          <a:xfrm>
+            <a:off x="838199" y="604837"/>
+            <a:ext cx="10554401" cy="6148094"/>
+          </a:xfrm>
+          <a:prstGeom prst="rect">
+            <a:avLst/>
+          </a:prstGeom>
+        </p:spPr>
+      </p:pic>
     </p:spTree>
     <p:extLst>
       <p:ext uri="{BB962C8B-B14F-4D97-AF65-F5344CB8AC3E}">
@@ -6717,6 +6941,81 @@
   <p:clrMapOvr>
     <a:overrideClrMapping bg1="lt1" tx1="dk1" bg2="lt2" tx2="dk2" accent1="accent1" accent2="accent2" accent3="accent3" accent4="accent4" accent5="accent5" accent6="accent6" hlink="hlink" folHlink="folHlink"/>
   </p:clrMapOvr>
+  <p:timing>
+    <p:tnLst>
+      <p:par>
+        <p:cTn id="1" dur="indefinite" restart="never" nodeType="tmRoot">
+          <p:childTnLst>
+            <p:seq concurrent="1" nextAc="seek">
+              <p:cTn id="2" dur="indefinite" nodeType="mainSeq">
+                <p:childTnLst>
+                  <p:par>
+                    <p:cTn id="3" fill="hold">
+                      <p:stCondLst>
+                        <p:cond delay="indefinite"/>
+                      </p:stCondLst>
+                      <p:childTnLst>
+                        <p:par>
+                          <p:cTn id="4" fill="hold">
+                            <p:stCondLst>
+                              <p:cond delay="0"/>
+                            </p:stCondLst>
+                            <p:childTnLst>
+                              <p:par>
+                                <p:cTn id="5" presetID="1" presetClass="entr" presetSubtype="0" fill="hold" nodeType="clickEffect">
+                                  <p:stCondLst>
+                                    <p:cond delay="0"/>
+                                  </p:stCondLst>
+                                  <p:childTnLst>
+                                    <p:set>
+                                      <p:cBhvr>
+                                        <p:cTn id="6" dur="1" fill="hold">
+                                          <p:stCondLst>
+                                            <p:cond delay="0"/>
+                                          </p:stCondLst>
+                                        </p:cTn>
+                                        <p:tgtEl>
+                                          <p:spTgt spid="7"/>
+                                        </p:tgtEl>
+                                        <p:attrNameLst>
+                                          <p:attrName>style.visibility</p:attrName>
+                                        </p:attrNameLst>
+                                      </p:cBhvr>
+                                      <p:to>
+                                        <p:strVal val="visible"/>
+                                      </p:to>
+                                    </p:set>
+                                  </p:childTnLst>
+                                </p:cTn>
+                              </p:par>
+                            </p:childTnLst>
+                          </p:cTn>
+                        </p:par>
+                      </p:childTnLst>
+                    </p:cTn>
+                  </p:par>
+                </p:childTnLst>
+              </p:cTn>
+              <p:prevCondLst>
+                <p:cond evt="onPrev" delay="0">
+                  <p:tgtEl>
+                    <p:sldTgt/>
+                  </p:tgtEl>
+                </p:cond>
+              </p:prevCondLst>
+              <p:nextCondLst>
+                <p:cond evt="onNext" delay="0">
+                  <p:tgtEl>
+                    <p:sldTgt/>
+                  </p:tgtEl>
+                </p:cond>
+              </p:nextCondLst>
+            </p:seq>
+          </p:childTnLst>
+        </p:cTn>
+      </p:par>
+    </p:tnLst>
+  </p:timing>
 </p:sld>
 </file>
 
@@ -6866,7 +7165,12 @@
             <p:ph type="title"/>
           </p:nvPr>
         </p:nvSpPr>
-        <p:spPr/>
+        <p:spPr>
+          <a:xfrm>
+            <a:off x="838200" y="365125"/>
+            <a:ext cx="10515600" cy="909493"/>
+          </a:xfrm>
+        </p:spPr>
         <p:txBody>
           <a:bodyPr/>
           <a:lstStyle/>
@@ -6900,7 +7204,7 @@
         </p:nvSpPr>
         <p:spPr>
           <a:xfrm>
-            <a:off x="838200" y="1825625"/>
+            <a:off x="838200" y="1325673"/>
             <a:ext cx="10515600" cy="1158207"/>
           </a:xfrm>
         </p:spPr>
@@ -6938,7 +7242,7 @@
         <p:spPr>
           <a:xfrm>
             <a:off x="838200" y="2606207"/>
-            <a:ext cx="10515600" cy="1325563"/>
+            <a:ext cx="10515600" cy="691175"/>
           </a:xfrm>
           <a:prstGeom prst="rect">
             <a:avLst/>
@@ -6946,7 +7250,7 @@
         </p:spPr>
         <p:txBody>
           <a:bodyPr vert="horz" lIns="91440" tIns="45720" rIns="91440" bIns="45720" rtlCol="0" anchor="ctr">
-            <a:normAutofit/>
+            <a:normAutofit lnSpcReduction="10000"/>
           </a:bodyPr>
           <a:lstStyle>
             <a:lvl1pPr algn="l" defTabSz="914400" rtl="0" eaLnBrk="1" latinLnBrk="0" hangingPunct="1">
@@ -6995,7 +7299,7 @@
         </p:nvSpPr>
         <p:spPr>
           <a:xfrm>
-            <a:off x="838200" y="3764414"/>
+            <a:off x="838200" y="3265129"/>
             <a:ext cx="10515600" cy="1158207"/>
           </a:xfrm>
           <a:prstGeom prst="rect">
@@ -7184,6 +7488,42 @@
           </a:p>
         </p:txBody>
       </p:sp>
+      <p:pic>
+        <p:nvPicPr>
+          <p:cNvPr id="7" name="Obraz 6">
+            <a:extLst>
+              <a:ext uri="{FF2B5EF4-FFF2-40B4-BE49-F238E27FC236}">
+                <a16:creationId xmlns:a16="http://schemas.microsoft.com/office/drawing/2014/main" id="{CD9FF1EB-BBFC-40B6-933C-EB93ED73C7C2}"/>
+              </a:ext>
+            </a:extLst>
+          </p:cNvPr>
+          <p:cNvPicPr>
+            <a:picLocks noChangeAspect="1"/>
+          </p:cNvPicPr>
+          <p:nvPr/>
+        </p:nvPicPr>
+        <p:blipFill>
+          <a:blip r:embed="rId3">
+            <a:extLst>
+              <a:ext uri="{28A0092B-C50C-407E-A947-70E740481C1C}">
+                <a14:useLocalDpi xmlns:a14="http://schemas.microsoft.com/office/drawing/2010/main" val="0"/>
+              </a:ext>
+            </a:extLst>
+          </a:blip>
+          <a:stretch>
+            <a:fillRect/>
+          </a:stretch>
+        </p:blipFill>
+        <p:spPr>
+          <a:xfrm>
+            <a:off x="838200" y="4194073"/>
+            <a:ext cx="9518074" cy="2298802"/>
+          </a:xfrm>
+          <a:prstGeom prst="rect">
+            <a:avLst/>
+          </a:prstGeom>
+        </p:spPr>
+      </p:pic>
     </p:spTree>
     <p:extLst>
       <p:ext uri="{BB962C8B-B14F-4D97-AF65-F5344CB8AC3E}">
@@ -7959,6 +8299,92 @@
 </a:themeOverride>
 </file>
 
+<file path=ppt/theme/themeOverride13.xml><?xml version="1.0" encoding="utf-8"?>
+<a:themeOverride xmlns:a="http://schemas.openxmlformats.org/drawingml/2006/main">
+  <a:clrScheme name="Pakiet Office">
+    <a:dk1>
+      <a:sysClr val="windowText" lastClr="000000"/>
+    </a:dk1>
+    <a:lt1>
+      <a:sysClr val="window" lastClr="FFFFFF"/>
+    </a:lt1>
+    <a:dk2>
+      <a:srgbClr val="44546A"/>
+    </a:dk2>
+    <a:lt2>
+      <a:srgbClr val="E7E6E6"/>
+    </a:lt2>
+    <a:accent1>
+      <a:srgbClr val="4472C4"/>
+    </a:accent1>
+    <a:accent2>
+      <a:srgbClr val="ED7D31"/>
+    </a:accent2>
+    <a:accent3>
+      <a:srgbClr val="A5A5A5"/>
+    </a:accent3>
+    <a:accent4>
+      <a:srgbClr val="FFC000"/>
+    </a:accent4>
+    <a:accent5>
+      <a:srgbClr val="5B9BD5"/>
+    </a:accent5>
+    <a:accent6>
+      <a:srgbClr val="70AD47"/>
+    </a:accent6>
+    <a:hlink>
+      <a:srgbClr val="0563C1"/>
+    </a:hlink>
+    <a:folHlink>
+      <a:srgbClr val="954F72"/>
+    </a:folHlink>
+  </a:clrScheme>
+</a:themeOverride>
+</file>
+
+<file path=ppt/theme/themeOverride14.xml><?xml version="1.0" encoding="utf-8"?>
+<a:themeOverride xmlns:a="http://schemas.openxmlformats.org/drawingml/2006/main">
+  <a:clrScheme name="Pakiet Office">
+    <a:dk1>
+      <a:sysClr val="windowText" lastClr="000000"/>
+    </a:dk1>
+    <a:lt1>
+      <a:sysClr val="window" lastClr="FFFFFF"/>
+    </a:lt1>
+    <a:dk2>
+      <a:srgbClr val="44546A"/>
+    </a:dk2>
+    <a:lt2>
+      <a:srgbClr val="E7E6E6"/>
+    </a:lt2>
+    <a:accent1>
+      <a:srgbClr val="4472C4"/>
+    </a:accent1>
+    <a:accent2>
+      <a:srgbClr val="ED7D31"/>
+    </a:accent2>
+    <a:accent3>
+      <a:srgbClr val="A5A5A5"/>
+    </a:accent3>
+    <a:accent4>
+      <a:srgbClr val="FFC000"/>
+    </a:accent4>
+    <a:accent5>
+      <a:srgbClr val="5B9BD5"/>
+    </a:accent5>
+    <a:accent6>
+      <a:srgbClr val="70AD47"/>
+    </a:accent6>
+    <a:hlink>
+      <a:srgbClr val="0563C1"/>
+    </a:hlink>
+    <a:folHlink>
+      <a:srgbClr val="954F72"/>
+    </a:folHlink>
+  </a:clrScheme>
+</a:themeOverride>
+</file>
+
 <file path=ppt/theme/themeOverride2.xml><?xml version="1.0" encoding="utf-8"?>
 <a:themeOverride xmlns:a="http://schemas.openxmlformats.org/drawingml/2006/main">
   <a:clrScheme name="Pakiet Office">

--- a/presentation/Zabezpiecz swoje dane na przykładzie SQL Server Always Encrypted.pptx
+++ b/presentation/Zabezpiecz swoje dane na przykładzie SQL Server Always Encrypted.pptx
@@ -5,26 +5,27 @@
     <p:sldMasterId id="2147483648" r:id="rId1"/>
   </p:sldMasterIdLst>
   <p:notesMasterIdLst>
-    <p:notesMasterId r:id="rId19"/>
+    <p:notesMasterId r:id="rId20"/>
   </p:notesMasterIdLst>
   <p:sldIdLst>
     <p:sldId id="256" r:id="rId2"/>
     <p:sldId id="257" r:id="rId3"/>
     <p:sldId id="258" r:id="rId4"/>
     <p:sldId id="261" r:id="rId5"/>
-    <p:sldId id="264" r:id="rId6"/>
-    <p:sldId id="260" r:id="rId7"/>
-    <p:sldId id="259" r:id="rId8"/>
-    <p:sldId id="265" r:id="rId9"/>
-    <p:sldId id="266" r:id="rId10"/>
-    <p:sldId id="263" r:id="rId11"/>
-    <p:sldId id="271" r:id="rId12"/>
-    <p:sldId id="272" r:id="rId13"/>
-    <p:sldId id="262" r:id="rId14"/>
-    <p:sldId id="267" r:id="rId15"/>
-    <p:sldId id="268" r:id="rId16"/>
-    <p:sldId id="269" r:id="rId17"/>
-    <p:sldId id="270" r:id="rId18"/>
+    <p:sldId id="273" r:id="rId6"/>
+    <p:sldId id="264" r:id="rId7"/>
+    <p:sldId id="260" r:id="rId8"/>
+    <p:sldId id="259" r:id="rId9"/>
+    <p:sldId id="265" r:id="rId10"/>
+    <p:sldId id="266" r:id="rId11"/>
+    <p:sldId id="262" r:id="rId12"/>
+    <p:sldId id="263" r:id="rId13"/>
+    <p:sldId id="271" r:id="rId14"/>
+    <p:sldId id="272" r:id="rId15"/>
+    <p:sldId id="267" r:id="rId16"/>
+    <p:sldId id="268" r:id="rId17"/>
+    <p:sldId id="269" r:id="rId18"/>
+    <p:sldId id="270" r:id="rId19"/>
   </p:sldIdLst>
   <p:sldSz cx="12192000" cy="6858000"/>
   <p:notesSz cx="6858000" cy="9144000"/>
@@ -595,7 +596,7 @@
           <a:p>
             <a:fld id="{DF1E4433-4912-4B4C-8E62-B703018DC700}" type="datetimeFigureOut">
               <a:rPr lang="pl-PL" smtClean="0"/>
-              <a:t>2019-01-13</a:t>
+              <a:t>2019-01-14</a:t>
             </a:fld>
             <a:endParaRPr lang="pl-PL"/>
           </a:p>
@@ -1009,7 +1010,7 @@
           <a:p>
             <a:fld id="{9A88DD66-9BBB-404A-ABEE-279F185D352E}" type="datetime1">
               <a:rPr lang="pl-PL" smtClean="0"/>
-              <a:t>2019-01-13</a:t>
+              <a:t>2019-01-14</a:t>
             </a:fld>
             <a:endParaRPr lang="pl-PL"/>
           </a:p>
@@ -1207,7 +1208,7 @@
           <a:p>
             <a:fld id="{E4AFA142-6E6F-4DDF-9DCD-87AD9F4E4E30}" type="datetime1">
               <a:rPr lang="pl-PL" smtClean="0"/>
-              <a:t>2019-01-13</a:t>
+              <a:t>2019-01-14</a:t>
             </a:fld>
             <a:endParaRPr lang="pl-PL"/>
           </a:p>
@@ -1415,7 +1416,7 @@
           <a:p>
             <a:fld id="{407A729E-25E6-4415-BD29-4E3EB052B32D}" type="datetime1">
               <a:rPr lang="pl-PL" smtClean="0"/>
-              <a:t>2019-01-13</a:t>
+              <a:t>2019-01-14</a:t>
             </a:fld>
             <a:endParaRPr lang="pl-PL"/>
           </a:p>
@@ -1613,7 +1614,7 @@
           <a:p>
             <a:fld id="{31DCBA1E-AEC4-43F0-8608-94F7356F1A99}" type="datetime1">
               <a:rPr lang="pl-PL" smtClean="0"/>
-              <a:t>2019-01-13</a:t>
+              <a:t>2019-01-14</a:t>
             </a:fld>
             <a:endParaRPr lang="pl-PL"/>
           </a:p>
@@ -1888,7 +1889,7 @@
           <a:p>
             <a:fld id="{25A71E03-A198-4237-91F5-1823DA25314C}" type="datetime1">
               <a:rPr lang="pl-PL" smtClean="0"/>
-              <a:t>2019-01-13</a:t>
+              <a:t>2019-01-14</a:t>
             </a:fld>
             <a:endParaRPr lang="pl-PL"/>
           </a:p>
@@ -2153,7 +2154,7 @@
           <a:p>
             <a:fld id="{DE51DFB9-B0D6-41BC-B320-EAE0070AB49A}" type="datetime1">
               <a:rPr lang="pl-PL" smtClean="0"/>
-              <a:t>2019-01-13</a:t>
+              <a:t>2019-01-14</a:t>
             </a:fld>
             <a:endParaRPr lang="pl-PL"/>
           </a:p>
@@ -2565,7 +2566,7 @@
           <a:p>
             <a:fld id="{0DCDD6AD-81F3-47BA-8526-EC0D3356F1EE}" type="datetime1">
               <a:rPr lang="pl-PL" smtClean="0"/>
-              <a:t>2019-01-13</a:t>
+              <a:t>2019-01-14</a:t>
             </a:fld>
             <a:endParaRPr lang="pl-PL"/>
           </a:p>
@@ -2706,7 +2707,7 @@
           <a:p>
             <a:fld id="{C7B01800-A674-4907-A5A5-61D9255C1F07}" type="datetime1">
               <a:rPr lang="pl-PL" smtClean="0"/>
-              <a:t>2019-01-13</a:t>
+              <a:t>2019-01-14</a:t>
             </a:fld>
             <a:endParaRPr lang="pl-PL"/>
           </a:p>
@@ -2819,7 +2820,7 @@
           <a:p>
             <a:fld id="{A6D451AD-8CD8-4775-80B3-1DE1A879722F}" type="datetime1">
               <a:rPr lang="pl-PL" smtClean="0"/>
-              <a:t>2019-01-13</a:t>
+              <a:t>2019-01-14</a:t>
             </a:fld>
             <a:endParaRPr lang="pl-PL"/>
           </a:p>
@@ -3130,7 +3131,7 @@
           <a:p>
             <a:fld id="{7D54301B-00C7-4777-9073-FEDE2A89B281}" type="datetime1">
               <a:rPr lang="pl-PL" smtClean="0"/>
-              <a:t>2019-01-13</a:t>
+              <a:t>2019-01-14</a:t>
             </a:fld>
             <a:endParaRPr lang="pl-PL"/>
           </a:p>
@@ -3418,7 +3419,7 @@
           <a:p>
             <a:fld id="{2638E98D-E7D1-4B82-87EE-73FF6F9BF01C}" type="datetime1">
               <a:rPr lang="pl-PL" smtClean="0"/>
-              <a:t>2019-01-13</a:t>
+              <a:t>2019-01-14</a:t>
             </a:fld>
             <a:endParaRPr lang="pl-PL"/>
           </a:p>
@@ -3659,7 +3660,7 @@
           <a:p>
             <a:fld id="{FDA3BF53-2763-4C79-86EA-4313080A03FE}" type="datetime1">
               <a:rPr lang="pl-PL" smtClean="0"/>
-              <a:t>2019-01-13</a:t>
+              <a:t>2019-01-14</a:t>
             </a:fld>
             <a:endParaRPr lang="pl-PL"/>
           </a:p>
@@ -4326,10 +4327,10 @@
       </p:grpSpPr>
       <p:sp>
         <p:nvSpPr>
-          <p:cNvPr id="2" name="Title 1">
-            <a:extLst>
-              <a:ext uri="{FF2B5EF4-FFF2-40B4-BE49-F238E27FC236}">
-                <a16:creationId xmlns:a16="http://schemas.microsoft.com/office/drawing/2014/main" id="{2FCB663F-E6A6-4C30-AD70-C5B8079C6CB2}"/>
+          <p:cNvPr id="2" name="Tytuł 1">
+            <a:extLst>
+              <a:ext uri="{FF2B5EF4-FFF2-40B4-BE49-F238E27FC236}">
+                <a16:creationId xmlns:a16="http://schemas.microsoft.com/office/drawing/2014/main" id="{95D2242A-8825-4DD6-B6E3-192B2CD441CA}"/>
               </a:ext>
             </a:extLst>
           </p:cNvPr>
@@ -4340,256 +4341,369 @@
             <p:ph type="title"/>
           </p:nvPr>
         </p:nvSpPr>
-        <p:spPr/>
+        <p:spPr>
+          <a:xfrm>
+            <a:off x="838200" y="365125"/>
+            <a:ext cx="10515600" cy="909493"/>
+          </a:xfrm>
+        </p:spPr>
         <p:txBody>
           <a:bodyPr/>
           <a:lstStyle/>
           <a:p>
             <a:r>
-              <a:rPr lang="pl-PL" dirty="0"/>
-              <a:t>Niewspierane typy</a:t>
-            </a:r>
-          </a:p>
-        </p:txBody>
-      </p:sp>
-      <p:sp>
-        <p:nvSpPr>
-          <p:cNvPr id="4" name="Symbol zastępczy zawartości 3">
-            <a:extLst>
-              <a:ext uri="{FF2B5EF4-FFF2-40B4-BE49-F238E27FC236}">
-                <a16:creationId xmlns:a16="http://schemas.microsoft.com/office/drawing/2014/main" id="{627F4E79-A10D-4771-B253-052CBA7BF1CE}"/>
-              </a:ext>
-            </a:extLst>
-          </p:cNvPr>
-          <p:cNvSpPr>
-            <a:spLocks noGrp="1"/>
-          </p:cNvSpPr>
-          <p:nvPr>
-            <p:ph idx="1"/>
-          </p:nvPr>
-        </p:nvSpPr>
-        <p:spPr/>
-        <p:txBody>
-          <a:bodyPr>
-            <a:normAutofit fontScale="92500" lnSpcReduction="20000"/>
-          </a:bodyPr>
-          <a:lstStyle/>
-          <a:p>
-            <a:r>
-              <a:rPr lang="pl-PL" b="1" dirty="0" err="1"/>
-              <a:t>xml</a:t>
-            </a:r>
-            <a:r>
-              <a:rPr lang="pl-PL" dirty="0"/>
-              <a:t>, </a:t>
-            </a:r>
-            <a:r>
-              <a:rPr lang="pl-PL" b="1" dirty="0" err="1"/>
-              <a:t>timestamp</a:t>
-            </a:r>
-            <a:r>
-              <a:rPr lang="pl-PL" dirty="0"/>
-              <a:t>/</a:t>
-            </a:r>
-            <a:r>
-              <a:rPr lang="pl-PL" b="1" dirty="0" err="1"/>
-              <a:t>rowversion</a:t>
-            </a:r>
-            <a:r>
-              <a:rPr lang="pl-PL" dirty="0"/>
-              <a:t>, </a:t>
-            </a:r>
-            <a:r>
-              <a:rPr lang="pl-PL" b="1" dirty="0"/>
-              <a:t>image</a:t>
-            </a:r>
-            <a:r>
-              <a:rPr lang="pl-PL" dirty="0"/>
-              <a:t>, </a:t>
-            </a:r>
-            <a:r>
-              <a:rPr lang="pl-PL" b="1" dirty="0" err="1"/>
-              <a:t>ntext</a:t>
-            </a:r>
-            <a:r>
-              <a:rPr lang="pl-PL" dirty="0"/>
-              <a:t>, </a:t>
-            </a:r>
-            <a:r>
-              <a:rPr lang="pl-PL" b="1" dirty="0" err="1"/>
-              <a:t>text</a:t>
-            </a:r>
-            <a:r>
-              <a:rPr lang="pl-PL" dirty="0"/>
-              <a:t>, </a:t>
-            </a:r>
-            <a:r>
-              <a:rPr lang="pl-PL" b="1" dirty="0" err="1"/>
-              <a:t>sql_variant</a:t>
-            </a:r>
-            <a:r>
-              <a:rPr lang="pl-PL" dirty="0"/>
-              <a:t>, </a:t>
-            </a:r>
-            <a:r>
-              <a:rPr lang="pl-PL" b="1" dirty="0" err="1"/>
-              <a:t>hierarchyid</a:t>
-            </a:r>
-            <a:r>
-              <a:rPr lang="pl-PL" dirty="0"/>
-              <a:t>, </a:t>
-            </a:r>
-            <a:r>
-              <a:rPr lang="pl-PL" b="1" dirty="0" err="1"/>
-              <a:t>geography</a:t>
-            </a:r>
-            <a:r>
-              <a:rPr lang="pl-PL" dirty="0"/>
-              <a:t>, </a:t>
-            </a:r>
-            <a:r>
-              <a:rPr lang="pl-PL" b="1" dirty="0"/>
-              <a:t>geometry</a:t>
-            </a:r>
-            <a:r>
-              <a:rPr lang="pl-PL" dirty="0"/>
-              <a:t>, alias, </a:t>
-            </a:r>
-            <a:r>
               <a:rPr lang="pl-PL" dirty="0" err="1"/>
-              <a:t>user</a:t>
+              <a:t>Deterministic</a:t>
             </a:r>
             <a:r>
               <a:rPr lang="pl-PL" dirty="0"/>
               <a:t> </a:t>
             </a:r>
+          </a:p>
+        </p:txBody>
+      </p:sp>
+      <p:sp>
+        <p:nvSpPr>
+          <p:cNvPr id="3" name="Symbol zastępczy zawartości 2">
+            <a:extLst>
+              <a:ext uri="{FF2B5EF4-FFF2-40B4-BE49-F238E27FC236}">
+                <a16:creationId xmlns:a16="http://schemas.microsoft.com/office/drawing/2014/main" id="{49632620-FF6C-45BF-A5B4-C309DFC12EBD}"/>
+              </a:ext>
+            </a:extLst>
+          </p:cNvPr>
+          <p:cNvSpPr>
+            <a:spLocks noGrp="1"/>
+          </p:cNvSpPr>
+          <p:nvPr>
+            <p:ph idx="1"/>
+          </p:nvPr>
+        </p:nvSpPr>
+        <p:spPr>
+          <a:xfrm>
+            <a:off x="838200" y="1325673"/>
+            <a:ext cx="10515600" cy="1158207"/>
+          </a:xfrm>
+        </p:spPr>
+        <p:txBody>
+          <a:bodyPr/>
+          <a:lstStyle/>
+          <a:p>
+            <a:r>
+              <a:rPr lang="pl-PL" dirty="0"/>
+              <a:t>Generuje zawsze taki sam wynik dla takiego samego ciągu znaków</a:t>
+            </a:r>
+          </a:p>
+          <a:p>
+            <a:r>
+              <a:rPr lang="pl-PL" dirty="0"/>
+              <a:t>Pozwala przeprowadzać operacje WHERE/JOIN/GROUP BY/INDEXING </a:t>
+            </a:r>
+          </a:p>
+        </p:txBody>
+      </p:sp>
+      <p:sp>
+        <p:nvSpPr>
+          <p:cNvPr id="4" name="Tytuł 1">
+            <a:extLst>
+              <a:ext uri="{FF2B5EF4-FFF2-40B4-BE49-F238E27FC236}">
+                <a16:creationId xmlns:a16="http://schemas.microsoft.com/office/drawing/2014/main" id="{8E4BE19B-D61C-46A8-A348-964EF105862A}"/>
+              </a:ext>
+            </a:extLst>
+          </p:cNvPr>
+          <p:cNvSpPr txBox="1">
+            <a:spLocks/>
+          </p:cNvSpPr>
+          <p:nvPr/>
+        </p:nvSpPr>
+        <p:spPr>
+          <a:xfrm>
+            <a:off x="838200" y="2606207"/>
+            <a:ext cx="10515600" cy="691175"/>
+          </a:xfrm>
+          <a:prstGeom prst="rect">
+            <a:avLst/>
+          </a:prstGeom>
+        </p:spPr>
+        <p:txBody>
+          <a:bodyPr vert="horz" lIns="91440" tIns="45720" rIns="91440" bIns="45720" rtlCol="0" anchor="ctr">
+            <a:normAutofit lnSpcReduction="10000"/>
+          </a:bodyPr>
+          <a:lstStyle>
+            <a:lvl1pPr algn="l" defTabSz="914400" rtl="0" eaLnBrk="1" latinLnBrk="0" hangingPunct="1">
+              <a:lnSpc>
+                <a:spcPct val="90000"/>
+              </a:lnSpc>
+              <a:spcBef>
+                <a:spcPct val="0"/>
+              </a:spcBef>
+              <a:buNone/>
+              <a:defRPr sz="4400" kern="1200">
+                <a:solidFill>
+                  <a:schemeClr val="tx1"/>
+                </a:solidFill>
+                <a:latin typeface="+mj-lt"/>
+                <a:ea typeface="+mj-ea"/>
+                <a:cs typeface="+mj-cs"/>
+              </a:defRPr>
+            </a:lvl1pPr>
+          </a:lstStyle>
+          <a:p>
             <a:r>
               <a:rPr lang="pl-PL" dirty="0" err="1"/>
-              <a:t>defined-types</a:t>
-            </a:r>
-            <a:endParaRPr lang="pl-PL" dirty="0"/>
-          </a:p>
-          <a:p>
+              <a:t>Randomized</a:t>
+            </a:r>
             <a:r>
               <a:rPr lang="pl-PL" dirty="0"/>
-              <a:t>FILESTREAM </a:t>
-            </a:r>
-          </a:p>
+              <a:t>  </a:t>
+            </a:r>
+          </a:p>
+        </p:txBody>
+      </p:sp>
+      <p:sp>
+        <p:nvSpPr>
+          <p:cNvPr id="5" name="Symbol zastępczy zawartości 2">
+            <a:extLst>
+              <a:ext uri="{FF2B5EF4-FFF2-40B4-BE49-F238E27FC236}">
+                <a16:creationId xmlns:a16="http://schemas.microsoft.com/office/drawing/2014/main" id="{F37ABFD6-79D3-4D25-AE73-38531EA097A4}"/>
+              </a:ext>
+            </a:extLst>
+          </p:cNvPr>
+          <p:cNvSpPr txBox="1">
+            <a:spLocks/>
+          </p:cNvSpPr>
+          <p:nvPr/>
+        </p:nvSpPr>
+        <p:spPr>
+          <a:xfrm>
+            <a:off x="838200" y="3265129"/>
+            <a:ext cx="10515600" cy="1158207"/>
+          </a:xfrm>
+          <a:prstGeom prst="rect">
+            <a:avLst/>
+          </a:prstGeom>
+        </p:spPr>
+        <p:txBody>
+          <a:bodyPr vert="horz" lIns="91440" tIns="45720" rIns="91440" bIns="45720" rtlCol="0">
+            <a:normAutofit/>
+          </a:bodyPr>
+          <a:lstStyle>
+            <a:lvl1pPr marL="228600" indent="-228600" algn="l" defTabSz="914400" rtl="0" eaLnBrk="1" latinLnBrk="0" hangingPunct="1">
+              <a:lnSpc>
+                <a:spcPct val="90000"/>
+              </a:lnSpc>
+              <a:spcBef>
+                <a:spcPts val="1000"/>
+              </a:spcBef>
+              <a:buFont typeface="Arial" panose="020B0604020202020204" pitchFamily="34" charset="0"/>
+              <a:buChar char="•"/>
+              <a:defRPr sz="2800" kern="1200">
+                <a:solidFill>
+                  <a:schemeClr val="tx1"/>
+                </a:solidFill>
+                <a:latin typeface="+mn-lt"/>
+                <a:ea typeface="+mn-ea"/>
+                <a:cs typeface="+mn-cs"/>
+              </a:defRPr>
+            </a:lvl1pPr>
+            <a:lvl2pPr marL="685800" indent="-228600" algn="l" defTabSz="914400" rtl="0" eaLnBrk="1" latinLnBrk="0" hangingPunct="1">
+              <a:lnSpc>
+                <a:spcPct val="90000"/>
+              </a:lnSpc>
+              <a:spcBef>
+                <a:spcPts val="500"/>
+              </a:spcBef>
+              <a:buFont typeface="Arial" panose="020B0604020202020204" pitchFamily="34" charset="0"/>
+              <a:buChar char="•"/>
+              <a:defRPr sz="2400" kern="1200">
+                <a:solidFill>
+                  <a:schemeClr val="tx1"/>
+                </a:solidFill>
+                <a:latin typeface="+mn-lt"/>
+                <a:ea typeface="+mn-ea"/>
+                <a:cs typeface="+mn-cs"/>
+              </a:defRPr>
+            </a:lvl2pPr>
+            <a:lvl3pPr marL="1143000" indent="-228600" algn="l" defTabSz="914400" rtl="0" eaLnBrk="1" latinLnBrk="0" hangingPunct="1">
+              <a:lnSpc>
+                <a:spcPct val="90000"/>
+              </a:lnSpc>
+              <a:spcBef>
+                <a:spcPts val="500"/>
+              </a:spcBef>
+              <a:buFont typeface="Arial" panose="020B0604020202020204" pitchFamily="34" charset="0"/>
+              <a:buChar char="•"/>
+              <a:defRPr sz="2000" kern="1200">
+                <a:solidFill>
+                  <a:schemeClr val="tx1"/>
+                </a:solidFill>
+                <a:latin typeface="+mn-lt"/>
+                <a:ea typeface="+mn-ea"/>
+                <a:cs typeface="+mn-cs"/>
+              </a:defRPr>
+            </a:lvl3pPr>
+            <a:lvl4pPr marL="1600200" indent="-228600" algn="l" defTabSz="914400" rtl="0" eaLnBrk="1" latinLnBrk="0" hangingPunct="1">
+              <a:lnSpc>
+                <a:spcPct val="90000"/>
+              </a:lnSpc>
+              <a:spcBef>
+                <a:spcPts val="500"/>
+              </a:spcBef>
+              <a:buFont typeface="Arial" panose="020B0604020202020204" pitchFamily="34" charset="0"/>
+              <a:buChar char="•"/>
+              <a:defRPr sz="1800" kern="1200">
+                <a:solidFill>
+                  <a:schemeClr val="tx1"/>
+                </a:solidFill>
+                <a:latin typeface="+mn-lt"/>
+                <a:ea typeface="+mn-ea"/>
+                <a:cs typeface="+mn-cs"/>
+              </a:defRPr>
+            </a:lvl4pPr>
+            <a:lvl5pPr marL="2057400" indent="-228600" algn="l" defTabSz="914400" rtl="0" eaLnBrk="1" latinLnBrk="0" hangingPunct="1">
+              <a:lnSpc>
+                <a:spcPct val="90000"/>
+              </a:lnSpc>
+              <a:spcBef>
+                <a:spcPts val="500"/>
+              </a:spcBef>
+              <a:buFont typeface="Arial" panose="020B0604020202020204" pitchFamily="34" charset="0"/>
+              <a:buChar char="•"/>
+              <a:defRPr sz="1800" kern="1200">
+                <a:solidFill>
+                  <a:schemeClr val="tx1"/>
+                </a:solidFill>
+                <a:latin typeface="+mn-lt"/>
+                <a:ea typeface="+mn-ea"/>
+                <a:cs typeface="+mn-cs"/>
+              </a:defRPr>
+            </a:lvl5pPr>
+            <a:lvl6pPr marL="2514600" indent="-228600" algn="l" defTabSz="914400" rtl="0" eaLnBrk="1" latinLnBrk="0" hangingPunct="1">
+              <a:lnSpc>
+                <a:spcPct val="90000"/>
+              </a:lnSpc>
+              <a:spcBef>
+                <a:spcPts val="500"/>
+              </a:spcBef>
+              <a:buFont typeface="Arial" panose="020B0604020202020204" pitchFamily="34" charset="0"/>
+              <a:buChar char="•"/>
+              <a:defRPr sz="1800" kern="1200">
+                <a:solidFill>
+                  <a:schemeClr val="tx1"/>
+                </a:solidFill>
+                <a:latin typeface="+mn-lt"/>
+                <a:ea typeface="+mn-ea"/>
+                <a:cs typeface="+mn-cs"/>
+              </a:defRPr>
+            </a:lvl6pPr>
+            <a:lvl7pPr marL="2971800" indent="-228600" algn="l" defTabSz="914400" rtl="0" eaLnBrk="1" latinLnBrk="0" hangingPunct="1">
+              <a:lnSpc>
+                <a:spcPct val="90000"/>
+              </a:lnSpc>
+              <a:spcBef>
+                <a:spcPts val="500"/>
+              </a:spcBef>
+              <a:buFont typeface="Arial" panose="020B0604020202020204" pitchFamily="34" charset="0"/>
+              <a:buChar char="•"/>
+              <a:defRPr sz="1800" kern="1200">
+                <a:solidFill>
+                  <a:schemeClr val="tx1"/>
+                </a:solidFill>
+                <a:latin typeface="+mn-lt"/>
+                <a:ea typeface="+mn-ea"/>
+                <a:cs typeface="+mn-cs"/>
+              </a:defRPr>
+            </a:lvl7pPr>
+            <a:lvl8pPr marL="3429000" indent="-228600" algn="l" defTabSz="914400" rtl="0" eaLnBrk="1" latinLnBrk="0" hangingPunct="1">
+              <a:lnSpc>
+                <a:spcPct val="90000"/>
+              </a:lnSpc>
+              <a:spcBef>
+                <a:spcPts val="500"/>
+              </a:spcBef>
+              <a:buFont typeface="Arial" panose="020B0604020202020204" pitchFamily="34" charset="0"/>
+              <a:buChar char="•"/>
+              <a:defRPr sz="1800" kern="1200">
+                <a:solidFill>
+                  <a:schemeClr val="tx1"/>
+                </a:solidFill>
+                <a:latin typeface="+mn-lt"/>
+                <a:ea typeface="+mn-ea"/>
+                <a:cs typeface="+mn-cs"/>
+              </a:defRPr>
+            </a:lvl8pPr>
+            <a:lvl9pPr marL="3886200" indent="-228600" algn="l" defTabSz="914400" rtl="0" eaLnBrk="1" latinLnBrk="0" hangingPunct="1">
+              <a:lnSpc>
+                <a:spcPct val="90000"/>
+              </a:lnSpc>
+              <a:spcBef>
+                <a:spcPts val="500"/>
+              </a:spcBef>
+              <a:buFont typeface="Arial" panose="020B0604020202020204" pitchFamily="34" charset="0"/>
+              <a:buChar char="•"/>
+              <a:defRPr sz="1800" kern="1200">
+                <a:solidFill>
+                  <a:schemeClr val="tx1"/>
+                </a:solidFill>
+                <a:latin typeface="+mn-lt"/>
+                <a:ea typeface="+mn-ea"/>
+                <a:cs typeface="+mn-cs"/>
+              </a:defRPr>
+            </a:lvl9pPr>
+          </a:lstStyle>
           <a:p>
             <a:r>
               <a:rPr lang="pl-PL" dirty="0"/>
-              <a:t>IDENTITY </a:t>
+              <a:t>Generuje różny wynik dla takiego samego ciągu znaków</a:t>
             </a:r>
           </a:p>
           <a:p>
             <a:r>
               <a:rPr lang="pl-PL" dirty="0"/>
-              <a:t>ROWGUIDCOL </a:t>
-            </a:r>
-          </a:p>
-          <a:p>
-            <a:r>
-              <a:rPr lang="pl-PL" dirty="0"/>
-              <a:t>String (</a:t>
-            </a:r>
-            <a:r>
-              <a:rPr lang="pl-PL" dirty="0" err="1"/>
-              <a:t>varchar</a:t>
-            </a:r>
-            <a:r>
-              <a:rPr lang="pl-PL" dirty="0"/>
-              <a:t>, char, etc.) </a:t>
-            </a:r>
-            <a:r>
-              <a:rPr lang="pl-PL" dirty="0" err="1"/>
-              <a:t>columns</a:t>
-            </a:r>
-            <a:r>
-              <a:rPr lang="pl-PL" dirty="0"/>
-              <a:t> z non-bin2 </a:t>
-            </a:r>
-            <a:r>
-              <a:rPr lang="pl-PL" dirty="0" err="1"/>
-              <a:t>collations</a:t>
-            </a:r>
-            <a:endParaRPr lang="pl-PL" dirty="0"/>
-          </a:p>
-          <a:p>
-            <a:r>
-              <a:rPr lang="en-US" dirty="0"/>
-              <a:t>Columns referenced by computed columns</a:t>
-            </a:r>
-            <a:endParaRPr lang="pl-PL" dirty="0"/>
-          </a:p>
-          <a:p>
-            <a:r>
-              <a:rPr lang="pl-PL" dirty="0" err="1"/>
-              <a:t>Sparse</a:t>
-            </a:r>
-            <a:r>
-              <a:rPr lang="pl-PL" dirty="0"/>
-              <a:t> </a:t>
-            </a:r>
-            <a:r>
-              <a:rPr lang="pl-PL" dirty="0" err="1"/>
-              <a:t>column</a:t>
-            </a:r>
-            <a:r>
-              <a:rPr lang="pl-PL" dirty="0"/>
-              <a:t> set</a:t>
-            </a:r>
-          </a:p>
-          <a:p>
-            <a:r>
-              <a:rPr lang="pl-PL" dirty="0" err="1"/>
-              <a:t>Partitioning</a:t>
-            </a:r>
-            <a:r>
-              <a:rPr lang="pl-PL" dirty="0"/>
-              <a:t> </a:t>
-            </a:r>
-            <a:r>
-              <a:rPr lang="pl-PL" dirty="0" err="1"/>
-              <a:t>columns</a:t>
-            </a:r>
-            <a:endParaRPr lang="pl-PL" dirty="0"/>
-          </a:p>
-          <a:p>
-            <a:r>
-              <a:rPr lang="pl-PL" dirty="0" err="1"/>
-              <a:t>Columns</a:t>
-            </a:r>
-            <a:r>
-              <a:rPr lang="pl-PL" dirty="0"/>
-              <a:t> with </a:t>
-            </a:r>
-            <a:r>
-              <a:rPr lang="pl-PL" dirty="0" err="1"/>
-              <a:t>default</a:t>
-            </a:r>
-            <a:r>
-              <a:rPr lang="pl-PL" dirty="0"/>
-              <a:t> </a:t>
-            </a:r>
-            <a:r>
-              <a:rPr lang="pl-PL" dirty="0" err="1"/>
-              <a:t>constraints</a:t>
-            </a:r>
-            <a:endParaRPr lang="pl-PL" dirty="0"/>
-          </a:p>
-          <a:p>
-            <a:r>
-              <a:rPr lang="en-US" dirty="0"/>
-              <a:t>Columns referenced by check constraints</a:t>
-            </a:r>
-            <a:endParaRPr lang="pl-PL" dirty="0"/>
-          </a:p>
-        </p:txBody>
-      </p:sp>
+              <a:t>Bezpieczniejszy</a:t>
+            </a:r>
+          </a:p>
+        </p:txBody>
+      </p:sp>
+      <p:pic>
+        <p:nvPicPr>
+          <p:cNvPr id="7" name="Obraz 6">
+            <a:extLst>
+              <a:ext uri="{FF2B5EF4-FFF2-40B4-BE49-F238E27FC236}">
+                <a16:creationId xmlns:a16="http://schemas.microsoft.com/office/drawing/2014/main" id="{CD9FF1EB-BBFC-40B6-933C-EB93ED73C7C2}"/>
+              </a:ext>
+            </a:extLst>
+          </p:cNvPr>
+          <p:cNvPicPr>
+            <a:picLocks noChangeAspect="1"/>
+          </p:cNvPicPr>
+          <p:nvPr/>
+        </p:nvPicPr>
+        <p:blipFill>
+          <a:blip r:embed="rId3">
+            <a:extLst>
+              <a:ext uri="{28A0092B-C50C-407E-A947-70E740481C1C}">
+                <a14:useLocalDpi xmlns:a14="http://schemas.microsoft.com/office/drawing/2010/main" val="0"/>
+              </a:ext>
+            </a:extLst>
+          </a:blip>
+          <a:stretch>
+            <a:fillRect/>
+          </a:stretch>
+        </p:blipFill>
+        <p:spPr>
+          <a:xfrm>
+            <a:off x="838200" y="4194073"/>
+            <a:ext cx="9518074" cy="2298802"/>
+          </a:xfrm>
+          <a:prstGeom prst="rect">
+            <a:avLst/>
+          </a:prstGeom>
+        </p:spPr>
+      </p:pic>
     </p:spTree>
     <p:extLst>
       <p:ext uri="{BB962C8B-B14F-4D97-AF65-F5344CB8AC3E}">
-        <p14:creationId xmlns:p14="http://schemas.microsoft.com/office/powerpoint/2010/main" val="1180306874"/>
+        <p14:creationId xmlns:p14="http://schemas.microsoft.com/office/powerpoint/2010/main" val="480794199"/>
       </p:ext>
     </p:extLst>
   </p:cSld>
@@ -4628,10 +4742,10 @@
       </p:grpSpPr>
       <p:sp>
         <p:nvSpPr>
-          <p:cNvPr id="2" name="Tytuł 1">
-            <a:extLst>
-              <a:ext uri="{FF2B5EF4-FFF2-40B4-BE49-F238E27FC236}">
-                <a16:creationId xmlns:a16="http://schemas.microsoft.com/office/drawing/2014/main" id="{3143B76F-5784-43F6-88E2-5443B2498508}"/>
+          <p:cNvPr id="2" name="Title 1">
+            <a:extLst>
+              <a:ext uri="{FF2B5EF4-FFF2-40B4-BE49-F238E27FC236}">
+                <a16:creationId xmlns:a16="http://schemas.microsoft.com/office/drawing/2014/main" id="{745E9FD6-A714-4710-A4BD-824C8A3BBF24}"/>
               </a:ext>
             </a:extLst>
           </p:cNvPr>
@@ -4649,40 +4763,15 @@
           <a:p>
             <a:r>
               <a:rPr lang="pl-PL" dirty="0"/>
-              <a:t>Rotacje kluczy</a:t>
-            </a:r>
-          </a:p>
-        </p:txBody>
-      </p:sp>
-      <p:sp>
-        <p:nvSpPr>
-          <p:cNvPr id="3" name="Symbol zastępczy zawartości 2">
-            <a:extLst>
-              <a:ext uri="{FF2B5EF4-FFF2-40B4-BE49-F238E27FC236}">
-                <a16:creationId xmlns:a16="http://schemas.microsoft.com/office/drawing/2014/main" id="{090FB535-44D7-4DD7-BD84-22DDFB8B7001}"/>
-              </a:ext>
-            </a:extLst>
-          </p:cNvPr>
-          <p:cNvSpPr>
-            <a:spLocks noGrp="1"/>
-          </p:cNvSpPr>
-          <p:nvPr>
-            <p:ph idx="1"/>
-          </p:nvPr>
-        </p:nvSpPr>
-        <p:spPr/>
-        <p:txBody>
-          <a:bodyPr/>
-          <a:lstStyle/>
-          <a:p>
-            <a:endParaRPr lang="pl-PL" dirty="0"/>
+              <a:t>Demo</a:t>
+            </a:r>
           </a:p>
         </p:txBody>
       </p:sp>
     </p:spTree>
     <p:extLst>
       <p:ext uri="{BB962C8B-B14F-4D97-AF65-F5344CB8AC3E}">
-        <p14:creationId xmlns:p14="http://schemas.microsoft.com/office/powerpoint/2010/main" val="2912622225"/>
+        <p14:creationId xmlns:p14="http://schemas.microsoft.com/office/powerpoint/2010/main" val="3874564869"/>
       </p:ext>
     </p:extLst>
   </p:cSld>
@@ -4721,10 +4810,10 @@
       </p:grpSpPr>
       <p:sp>
         <p:nvSpPr>
-          <p:cNvPr id="2" name="Tytuł 1">
-            <a:extLst>
-              <a:ext uri="{FF2B5EF4-FFF2-40B4-BE49-F238E27FC236}">
-                <a16:creationId xmlns:a16="http://schemas.microsoft.com/office/drawing/2014/main" id="{3143B76F-5784-43F6-88E2-5443B2498508}"/>
+          <p:cNvPr id="2" name="Title 1">
+            <a:extLst>
+              <a:ext uri="{FF2B5EF4-FFF2-40B4-BE49-F238E27FC236}">
+                <a16:creationId xmlns:a16="http://schemas.microsoft.com/office/drawing/2014/main" id="{2FCB663F-E6A6-4C30-AD70-C5B8079C6CB2}"/>
               </a:ext>
             </a:extLst>
           </p:cNvPr>
@@ -4742,17 +4831,17 @@
           <a:p>
             <a:r>
               <a:rPr lang="pl-PL" dirty="0"/>
-              <a:t>Migracje danych</a:t>
-            </a:r>
-          </a:p>
-        </p:txBody>
-      </p:sp>
-      <p:sp>
-        <p:nvSpPr>
-          <p:cNvPr id="3" name="Symbol zastępczy zawartości 2">
-            <a:extLst>
-              <a:ext uri="{FF2B5EF4-FFF2-40B4-BE49-F238E27FC236}">
-                <a16:creationId xmlns:a16="http://schemas.microsoft.com/office/drawing/2014/main" id="{090FB535-44D7-4DD7-BD84-22DDFB8B7001}"/>
+              <a:t>Niewspierane typy</a:t>
+            </a:r>
+          </a:p>
+        </p:txBody>
+      </p:sp>
+      <p:sp>
+        <p:nvSpPr>
+          <p:cNvPr id="4" name="Symbol zastępczy zawartości 3">
+            <a:extLst>
+              <a:ext uri="{FF2B5EF4-FFF2-40B4-BE49-F238E27FC236}">
+                <a16:creationId xmlns:a16="http://schemas.microsoft.com/office/drawing/2014/main" id="{627F4E79-A10D-4771-B253-052CBA7BF1CE}"/>
               </a:ext>
             </a:extLst>
           </p:cNvPr>
@@ -4765,9 +4854,218 @@
         </p:nvSpPr>
         <p:spPr/>
         <p:txBody>
-          <a:bodyPr/>
+          <a:bodyPr>
+            <a:normAutofit fontScale="92500" lnSpcReduction="20000"/>
+          </a:bodyPr>
           <a:lstStyle/>
           <a:p>
+            <a:r>
+              <a:rPr lang="pl-PL" b="1" dirty="0" err="1"/>
+              <a:t>xml</a:t>
+            </a:r>
+            <a:r>
+              <a:rPr lang="pl-PL" dirty="0"/>
+              <a:t>, </a:t>
+            </a:r>
+            <a:r>
+              <a:rPr lang="pl-PL" b="1" dirty="0" err="1"/>
+              <a:t>timestamp</a:t>
+            </a:r>
+            <a:r>
+              <a:rPr lang="pl-PL" dirty="0"/>
+              <a:t>/</a:t>
+            </a:r>
+            <a:r>
+              <a:rPr lang="pl-PL" b="1" dirty="0" err="1"/>
+              <a:t>rowversion</a:t>
+            </a:r>
+            <a:r>
+              <a:rPr lang="pl-PL" dirty="0"/>
+              <a:t>, </a:t>
+            </a:r>
+            <a:r>
+              <a:rPr lang="pl-PL" b="1" dirty="0"/>
+              <a:t>image</a:t>
+            </a:r>
+            <a:r>
+              <a:rPr lang="pl-PL" dirty="0"/>
+              <a:t>, </a:t>
+            </a:r>
+            <a:r>
+              <a:rPr lang="pl-PL" b="1" dirty="0" err="1"/>
+              <a:t>ntext</a:t>
+            </a:r>
+            <a:r>
+              <a:rPr lang="pl-PL" dirty="0"/>
+              <a:t>, </a:t>
+            </a:r>
+            <a:r>
+              <a:rPr lang="pl-PL" b="1" dirty="0" err="1"/>
+              <a:t>text</a:t>
+            </a:r>
+            <a:r>
+              <a:rPr lang="pl-PL" dirty="0"/>
+              <a:t>, </a:t>
+            </a:r>
+            <a:r>
+              <a:rPr lang="pl-PL" b="1" dirty="0" err="1"/>
+              <a:t>sql_variant</a:t>
+            </a:r>
+            <a:r>
+              <a:rPr lang="pl-PL" dirty="0"/>
+              <a:t>, </a:t>
+            </a:r>
+            <a:r>
+              <a:rPr lang="pl-PL" b="1" dirty="0" err="1"/>
+              <a:t>hierarchyid</a:t>
+            </a:r>
+            <a:r>
+              <a:rPr lang="pl-PL" dirty="0"/>
+              <a:t>, </a:t>
+            </a:r>
+            <a:r>
+              <a:rPr lang="pl-PL" b="1" dirty="0" err="1"/>
+              <a:t>geography</a:t>
+            </a:r>
+            <a:r>
+              <a:rPr lang="pl-PL" dirty="0"/>
+              <a:t>, </a:t>
+            </a:r>
+            <a:r>
+              <a:rPr lang="pl-PL" b="1" dirty="0"/>
+              <a:t>geometry</a:t>
+            </a:r>
+            <a:r>
+              <a:rPr lang="pl-PL" dirty="0"/>
+              <a:t>, alias, </a:t>
+            </a:r>
+            <a:r>
+              <a:rPr lang="pl-PL" dirty="0" err="1"/>
+              <a:t>user</a:t>
+            </a:r>
+            <a:r>
+              <a:rPr lang="pl-PL" dirty="0"/>
+              <a:t> </a:t>
+            </a:r>
+            <a:r>
+              <a:rPr lang="pl-PL" dirty="0" err="1"/>
+              <a:t>defined-types</a:t>
+            </a:r>
+            <a:endParaRPr lang="pl-PL" dirty="0"/>
+          </a:p>
+          <a:p>
+            <a:r>
+              <a:rPr lang="pl-PL" dirty="0"/>
+              <a:t>FILESTREAM </a:t>
+            </a:r>
+          </a:p>
+          <a:p>
+            <a:r>
+              <a:rPr lang="pl-PL" dirty="0"/>
+              <a:t>IDENTITY </a:t>
+            </a:r>
+          </a:p>
+          <a:p>
+            <a:r>
+              <a:rPr lang="pl-PL" dirty="0"/>
+              <a:t>ROWGUIDCOL </a:t>
+            </a:r>
+          </a:p>
+          <a:p>
+            <a:r>
+              <a:rPr lang="pl-PL" dirty="0"/>
+              <a:t>String (</a:t>
+            </a:r>
+            <a:r>
+              <a:rPr lang="pl-PL" dirty="0" err="1"/>
+              <a:t>varchar</a:t>
+            </a:r>
+            <a:r>
+              <a:rPr lang="pl-PL" dirty="0"/>
+              <a:t>, char, etc.) </a:t>
+            </a:r>
+            <a:r>
+              <a:rPr lang="pl-PL" dirty="0" err="1"/>
+              <a:t>columns</a:t>
+            </a:r>
+            <a:r>
+              <a:rPr lang="pl-PL" dirty="0"/>
+              <a:t> z non-bin2 </a:t>
+            </a:r>
+            <a:r>
+              <a:rPr lang="pl-PL" dirty="0" err="1"/>
+              <a:t>collations</a:t>
+            </a:r>
+            <a:endParaRPr lang="pl-PL" dirty="0"/>
+          </a:p>
+          <a:p>
+            <a:r>
+              <a:rPr lang="en-US" dirty="0"/>
+              <a:t>Columns referenced by computed columns</a:t>
+            </a:r>
+            <a:endParaRPr lang="pl-PL" dirty="0"/>
+          </a:p>
+          <a:p>
+            <a:r>
+              <a:rPr lang="pl-PL" dirty="0" err="1"/>
+              <a:t>Sparse</a:t>
+            </a:r>
+            <a:r>
+              <a:rPr lang="pl-PL" dirty="0"/>
+              <a:t> </a:t>
+            </a:r>
+            <a:r>
+              <a:rPr lang="pl-PL" dirty="0" err="1"/>
+              <a:t>column</a:t>
+            </a:r>
+            <a:r>
+              <a:rPr lang="pl-PL" dirty="0"/>
+              <a:t> set</a:t>
+            </a:r>
+          </a:p>
+          <a:p>
+            <a:r>
+              <a:rPr lang="pl-PL" dirty="0" err="1"/>
+              <a:t>Partitioning</a:t>
+            </a:r>
+            <a:r>
+              <a:rPr lang="pl-PL" dirty="0"/>
+              <a:t> </a:t>
+            </a:r>
+            <a:r>
+              <a:rPr lang="pl-PL" dirty="0" err="1"/>
+              <a:t>columns</a:t>
+            </a:r>
+            <a:endParaRPr lang="pl-PL" dirty="0"/>
+          </a:p>
+          <a:p>
+            <a:r>
+              <a:rPr lang="pl-PL" dirty="0" err="1"/>
+              <a:t>Columns</a:t>
+            </a:r>
+            <a:r>
+              <a:rPr lang="pl-PL" dirty="0"/>
+              <a:t> with </a:t>
+            </a:r>
+            <a:r>
+              <a:rPr lang="pl-PL" dirty="0" err="1"/>
+              <a:t>default</a:t>
+            </a:r>
+            <a:r>
+              <a:rPr lang="pl-PL" dirty="0"/>
+              <a:t> </a:t>
+            </a:r>
+            <a:r>
+              <a:rPr lang="pl-PL" dirty="0" err="1"/>
+              <a:t>constraints</a:t>
+            </a:r>
+            <a:endParaRPr lang="pl-PL" dirty="0"/>
+          </a:p>
+          <a:p>
+            <a:r>
+              <a:rPr lang="en-US" dirty="0"/>
+              <a:t>Columns referenced by check constraints</a:t>
+            </a:r>
             <a:endParaRPr lang="pl-PL" dirty="0"/>
           </a:p>
         </p:txBody>
@@ -4775,7 +5073,7 @@
     </p:spTree>
     <p:extLst>
       <p:ext uri="{BB962C8B-B14F-4D97-AF65-F5344CB8AC3E}">
-        <p14:creationId xmlns:p14="http://schemas.microsoft.com/office/powerpoint/2010/main" val="716740257"/>
+        <p14:creationId xmlns:p14="http://schemas.microsoft.com/office/powerpoint/2010/main" val="1180306874"/>
       </p:ext>
     </p:extLst>
   </p:cSld>
@@ -4814,10 +5112,10 @@
       </p:grpSpPr>
       <p:sp>
         <p:nvSpPr>
-          <p:cNvPr id="2" name="Title 1">
-            <a:extLst>
-              <a:ext uri="{FF2B5EF4-FFF2-40B4-BE49-F238E27FC236}">
-                <a16:creationId xmlns:a16="http://schemas.microsoft.com/office/drawing/2014/main" id="{745E9FD6-A714-4710-A4BD-824C8A3BBF24}"/>
+          <p:cNvPr id="2" name="Tytuł 1">
+            <a:extLst>
+              <a:ext uri="{FF2B5EF4-FFF2-40B4-BE49-F238E27FC236}">
+                <a16:creationId xmlns:a16="http://schemas.microsoft.com/office/drawing/2014/main" id="{3143B76F-5784-43F6-88E2-5443B2498508}"/>
               </a:ext>
             </a:extLst>
           </p:cNvPr>
@@ -4835,7 +5133,88 @@
           <a:p>
             <a:r>
               <a:rPr lang="pl-PL" dirty="0"/>
-              <a:t>Demo</a:t>
+              <a:t>Rotacje kluczy</a:t>
+            </a:r>
+          </a:p>
+        </p:txBody>
+      </p:sp>
+      <p:sp>
+        <p:nvSpPr>
+          <p:cNvPr id="3" name="Symbol zastępczy zawartości 2">
+            <a:extLst>
+              <a:ext uri="{FF2B5EF4-FFF2-40B4-BE49-F238E27FC236}">
+                <a16:creationId xmlns:a16="http://schemas.microsoft.com/office/drawing/2014/main" id="{090FB535-44D7-4DD7-BD84-22DDFB8B7001}"/>
+              </a:ext>
+            </a:extLst>
+          </p:cNvPr>
+          <p:cNvSpPr>
+            <a:spLocks noGrp="1"/>
+          </p:cNvSpPr>
+          <p:nvPr>
+            <p:ph idx="1"/>
+          </p:nvPr>
+        </p:nvSpPr>
+        <p:spPr/>
+        <p:txBody>
+          <a:bodyPr/>
+          <a:lstStyle/>
+          <a:p>
+            <a:r>
+              <a:rPr lang="pl-PL" dirty="0" err="1"/>
+              <a:t>Column</a:t>
+            </a:r>
+            <a:r>
+              <a:rPr lang="pl-PL" dirty="0"/>
+              <a:t> master </a:t>
+            </a:r>
+            <a:r>
+              <a:rPr lang="pl-PL" dirty="0" err="1"/>
+              <a:t>key</a:t>
+            </a:r>
+            <a:endParaRPr lang="pl-PL" dirty="0"/>
+          </a:p>
+          <a:p>
+            <a:pPr lvl="1"/>
+            <a:r>
+              <a:rPr lang="pl-PL" dirty="0"/>
+              <a:t>Pamiętać o dostarczeniu nowego klucza dla wszystkich środowisk uruchomieniowych</a:t>
+            </a:r>
+          </a:p>
+          <a:p>
+            <a:pPr lvl="1"/>
+            <a:r>
+              <a:rPr lang="pl-PL" dirty="0"/>
+              <a:t>Stary klucz kasujemy i usuwamy z obiektu CMK</a:t>
+            </a:r>
+          </a:p>
+          <a:p>
+            <a:r>
+              <a:rPr lang="pl-PL" dirty="0" err="1"/>
+              <a:t>Column</a:t>
+            </a:r>
+            <a:r>
+              <a:rPr lang="pl-PL" dirty="0"/>
+              <a:t> </a:t>
+            </a:r>
+            <a:r>
+              <a:rPr lang="pl-PL" dirty="0" err="1"/>
+              <a:t>encryption</a:t>
+            </a:r>
+            <a:r>
+              <a:rPr lang="pl-PL" dirty="0"/>
+              <a:t> </a:t>
+            </a:r>
+            <a:r>
+              <a:rPr lang="pl-PL" dirty="0" err="1"/>
+              <a:t>key</a:t>
+            </a:r>
+            <a:endParaRPr lang="pl-PL" dirty="0"/>
+          </a:p>
+          <a:p>
+            <a:pPr lvl="1"/>
+            <a:r>
+              <a:rPr lang="pl-PL" dirty="0"/>
+              <a:t>Możliwa długa niedostępność bazy</a:t>
             </a:r>
           </a:p>
         </p:txBody>
@@ -4843,7 +5222,7 @@
     </p:spTree>
     <p:extLst>
       <p:ext uri="{BB962C8B-B14F-4D97-AF65-F5344CB8AC3E}">
-        <p14:creationId xmlns:p14="http://schemas.microsoft.com/office/powerpoint/2010/main" val="3874564869"/>
+        <p14:creationId xmlns:p14="http://schemas.microsoft.com/office/powerpoint/2010/main" val="2912622225"/>
       </p:ext>
     </p:extLst>
   </p:cSld>
@@ -4885,7 +5264,7 @@
           <p:cNvPr id="2" name="Tytuł 1">
             <a:extLst>
               <a:ext uri="{FF2B5EF4-FFF2-40B4-BE49-F238E27FC236}">
-                <a16:creationId xmlns:a16="http://schemas.microsoft.com/office/drawing/2014/main" id="{72FAA12E-658B-434E-86A2-B5C77B507388}"/>
+                <a16:creationId xmlns:a16="http://schemas.microsoft.com/office/drawing/2014/main" id="{3143B76F-5784-43F6-88E2-5443B2498508}"/>
               </a:ext>
             </a:extLst>
           </p:cNvPr>
@@ -4903,83 +5282,41 @@
           <a:p>
             <a:r>
               <a:rPr lang="pl-PL" dirty="0"/>
-              <a:t>Wydajność</a:t>
-            </a:r>
-          </a:p>
-        </p:txBody>
-      </p:sp>
-      <p:pic>
-        <p:nvPicPr>
-          <p:cNvPr id="5" name="Symbol zastępczy zawartości 4">
-            <a:extLst>
-              <a:ext uri="{FF2B5EF4-FFF2-40B4-BE49-F238E27FC236}">
-                <a16:creationId xmlns:a16="http://schemas.microsoft.com/office/drawing/2014/main" id="{B50BAFAF-63AF-4092-8973-28180BC0E43E}"/>
-              </a:ext>
-            </a:extLst>
-          </p:cNvPr>
-          <p:cNvPicPr>
-            <a:picLocks noGrp="1" noChangeAspect="1"/>
-          </p:cNvPicPr>
+              <a:t>Migracje danych</a:t>
+            </a:r>
+          </a:p>
+        </p:txBody>
+      </p:sp>
+      <p:sp>
+        <p:nvSpPr>
+          <p:cNvPr id="3" name="Symbol zastępczy zawartości 2">
+            <a:extLst>
+              <a:ext uri="{FF2B5EF4-FFF2-40B4-BE49-F238E27FC236}">
+                <a16:creationId xmlns:a16="http://schemas.microsoft.com/office/drawing/2014/main" id="{090FB535-44D7-4DD7-BD84-22DDFB8B7001}"/>
+              </a:ext>
+            </a:extLst>
+          </p:cNvPr>
+          <p:cNvSpPr>
+            <a:spLocks noGrp="1"/>
+          </p:cNvSpPr>
           <p:nvPr>
             <p:ph idx="1"/>
           </p:nvPr>
-        </p:nvPicPr>
-        <p:blipFill>
-          <a:blip r:embed="rId3">
-            <a:extLst>
-              <a:ext uri="{28A0092B-C50C-407E-A947-70E740481C1C}">
-                <a14:useLocalDpi xmlns:a14="http://schemas.microsoft.com/office/drawing/2010/main" val="0"/>
-              </a:ext>
-            </a:extLst>
-          </a:blip>
-          <a:stretch>
-            <a:fillRect/>
-          </a:stretch>
-        </p:blipFill>
-        <p:spPr>
-          <a:xfrm>
-            <a:off x="1158083" y="1351900"/>
-            <a:ext cx="8547777" cy="4752232"/>
-          </a:xfrm>
-        </p:spPr>
-      </p:pic>
-      <p:sp>
-        <p:nvSpPr>
-          <p:cNvPr id="6" name="pole tekstowe 5">
-            <a:extLst>
-              <a:ext uri="{FF2B5EF4-FFF2-40B4-BE49-F238E27FC236}">
-                <a16:creationId xmlns:a16="http://schemas.microsoft.com/office/drawing/2014/main" id="{FB749529-9872-4F65-A01E-7F5C8EB1927B}"/>
-              </a:ext>
-            </a:extLst>
-          </p:cNvPr>
-          <p:cNvSpPr txBox="1"/>
-          <p:nvPr/>
-        </p:nvSpPr>
-        <p:spPr>
-          <a:xfrm>
-            <a:off x="5847164" y="6194630"/>
-            <a:ext cx="5506636" cy="276999"/>
-          </a:xfrm>
-          <a:prstGeom prst="rect">
-            <a:avLst/>
-          </a:prstGeom>
-          <a:noFill/>
-        </p:spPr>
-        <p:txBody>
-          <a:bodyPr wrap="none" rtlCol="0">
-            <a:spAutoFit/>
-          </a:bodyPr>
+        </p:nvSpPr>
+        <p:spPr/>
+        <p:txBody>
+          <a:bodyPr/>
           <a:lstStyle/>
           <a:p>
             <a:r>
-              <a:rPr lang="pl-PL" sz="1200" dirty="0">
-                <a:solidFill>
-                  <a:schemeClr val="bg1">
-                    <a:lumMod val="75000"/>
-                  </a:schemeClr>
-                </a:solidFill>
-              </a:rPr>
-              <a:t>https://sqlperformance.com/2015/08/sql-server-2016/perf-impact-always-encrypted</a:t>
+              <a:rPr lang="pl-PL" dirty="0"/>
+              <a:t>Możliwość wyłączenia czasowo walidacji danych</a:t>
+            </a:r>
+          </a:p>
+          <a:p>
+            <a:r>
+              <a:rPr lang="pl-PL" dirty="0"/>
+              <a:t>Dane dodane w migracji mogą być niespójne/niedostępne dla aplikacji, jeżeli klucz się zmieni trzeba go zaktualizować na środowiskach aplikacji</a:t>
             </a:r>
           </a:p>
         </p:txBody>
@@ -4987,7 +5324,7 @@
     </p:spTree>
     <p:extLst>
       <p:ext uri="{BB962C8B-B14F-4D97-AF65-F5344CB8AC3E}">
-        <p14:creationId xmlns:p14="http://schemas.microsoft.com/office/powerpoint/2010/main" val="3624638399"/>
+        <p14:creationId xmlns:p14="http://schemas.microsoft.com/office/powerpoint/2010/main" val="716740257"/>
       </p:ext>
     </p:extLst>
   </p:cSld>
@@ -5047,17 +5384,17 @@
           <a:p>
             <a:r>
               <a:rPr lang="pl-PL" dirty="0"/>
-              <a:t>Miejsce</a:t>
+              <a:t>Wydajność</a:t>
             </a:r>
           </a:p>
         </p:txBody>
       </p:sp>
       <p:pic>
         <p:nvPicPr>
-          <p:cNvPr id="8" name="Symbol zastępczy zawartości 7">
-            <a:extLst>
-              <a:ext uri="{FF2B5EF4-FFF2-40B4-BE49-F238E27FC236}">
-                <a16:creationId xmlns:a16="http://schemas.microsoft.com/office/drawing/2014/main" id="{AB083CB2-4E14-48ED-9613-A9875035E6AC}"/>
+          <p:cNvPr id="5" name="Symbol zastępczy zawartości 4">
+            <a:extLst>
+              <a:ext uri="{FF2B5EF4-FFF2-40B4-BE49-F238E27FC236}">
+                <a16:creationId xmlns:a16="http://schemas.microsoft.com/office/drawing/2014/main" id="{B50BAFAF-63AF-4092-8973-28180BC0E43E}"/>
               </a:ext>
             </a:extLst>
           </p:cNvPr>
@@ -5082,8 +5419,8 @@
         </p:blipFill>
         <p:spPr>
           <a:xfrm>
-            <a:off x="1432193" y="1311704"/>
-            <a:ext cx="8354541" cy="4882926"/>
+            <a:off x="1158083" y="1351900"/>
+            <a:ext cx="8547777" cy="4752232"/>
           </a:xfrm>
         </p:spPr>
       </p:pic>
@@ -5131,7 +5468,7 @@
     </p:spTree>
     <p:extLst>
       <p:ext uri="{BB962C8B-B14F-4D97-AF65-F5344CB8AC3E}">
-        <p14:creationId xmlns:p14="http://schemas.microsoft.com/office/powerpoint/2010/main" val="1218132711"/>
+        <p14:creationId xmlns:p14="http://schemas.microsoft.com/office/powerpoint/2010/main" val="3624638399"/>
       </p:ext>
     </p:extLst>
   </p:cSld>
@@ -5173,7 +5510,7 @@
           <p:cNvPr id="2" name="Tytuł 1">
             <a:extLst>
               <a:ext uri="{FF2B5EF4-FFF2-40B4-BE49-F238E27FC236}">
-                <a16:creationId xmlns:a16="http://schemas.microsoft.com/office/drawing/2014/main" id="{E11C2F56-3D8F-42C6-87E9-FB1566CA3581}"/>
+                <a16:creationId xmlns:a16="http://schemas.microsoft.com/office/drawing/2014/main" id="{72FAA12E-658B-434E-86A2-B5C77B507388}"/>
               </a:ext>
             </a:extLst>
           </p:cNvPr>
@@ -5191,25 +5528,141 @@
           <a:p>
             <a:r>
               <a:rPr lang="pl-PL" dirty="0"/>
-              <a:t>Co nowego w  SQL Server 2019</a:t>
-            </a:r>
-          </a:p>
-        </p:txBody>
-      </p:sp>
-      <p:sp>
-        <p:nvSpPr>
-          <p:cNvPr id="3" name="Symbol zastępczy zawartości 2">
-            <a:extLst>
-              <a:ext uri="{FF2B5EF4-FFF2-40B4-BE49-F238E27FC236}">
-                <a16:creationId xmlns:a16="http://schemas.microsoft.com/office/drawing/2014/main" id="{EF1FFC0B-2461-46B1-BA68-8E833050DA42}"/>
-              </a:ext>
-            </a:extLst>
-          </p:cNvPr>
-          <p:cNvSpPr>
-            <a:spLocks noGrp="1"/>
-          </p:cNvSpPr>
+              <a:t>Miejsce</a:t>
+            </a:r>
+          </a:p>
+        </p:txBody>
+      </p:sp>
+      <p:pic>
+        <p:nvPicPr>
+          <p:cNvPr id="8" name="Symbol zastępczy zawartości 7">
+            <a:extLst>
+              <a:ext uri="{FF2B5EF4-FFF2-40B4-BE49-F238E27FC236}">
+                <a16:creationId xmlns:a16="http://schemas.microsoft.com/office/drawing/2014/main" id="{AB083CB2-4E14-48ED-9613-A9875035E6AC}"/>
+              </a:ext>
+            </a:extLst>
+          </p:cNvPr>
+          <p:cNvPicPr>
+            <a:picLocks noGrp="1" noChangeAspect="1"/>
+          </p:cNvPicPr>
           <p:nvPr>
             <p:ph idx="1"/>
+          </p:nvPr>
+        </p:nvPicPr>
+        <p:blipFill>
+          <a:blip r:embed="rId3">
+            <a:extLst>
+              <a:ext uri="{28A0092B-C50C-407E-A947-70E740481C1C}">
+                <a14:useLocalDpi xmlns:a14="http://schemas.microsoft.com/office/drawing/2010/main" val="0"/>
+              </a:ext>
+            </a:extLst>
+          </a:blip>
+          <a:stretch>
+            <a:fillRect/>
+          </a:stretch>
+        </p:blipFill>
+        <p:spPr>
+          <a:xfrm>
+            <a:off x="1432193" y="1311704"/>
+            <a:ext cx="8354541" cy="4882926"/>
+          </a:xfrm>
+        </p:spPr>
+      </p:pic>
+      <p:sp>
+        <p:nvSpPr>
+          <p:cNvPr id="6" name="pole tekstowe 5">
+            <a:extLst>
+              <a:ext uri="{FF2B5EF4-FFF2-40B4-BE49-F238E27FC236}">
+                <a16:creationId xmlns:a16="http://schemas.microsoft.com/office/drawing/2014/main" id="{FB749529-9872-4F65-A01E-7F5C8EB1927B}"/>
+              </a:ext>
+            </a:extLst>
+          </p:cNvPr>
+          <p:cNvSpPr txBox="1"/>
+          <p:nvPr/>
+        </p:nvSpPr>
+        <p:spPr>
+          <a:xfrm>
+            <a:off x="5847164" y="6194630"/>
+            <a:ext cx="5506636" cy="276999"/>
+          </a:xfrm>
+          <a:prstGeom prst="rect">
+            <a:avLst/>
+          </a:prstGeom>
+          <a:noFill/>
+        </p:spPr>
+        <p:txBody>
+          <a:bodyPr wrap="none" rtlCol="0">
+            <a:spAutoFit/>
+          </a:bodyPr>
+          <a:lstStyle/>
+          <a:p>
+            <a:r>
+              <a:rPr lang="pl-PL" sz="1200" dirty="0">
+                <a:solidFill>
+                  <a:schemeClr val="bg1">
+                    <a:lumMod val="75000"/>
+                  </a:schemeClr>
+                </a:solidFill>
+              </a:rPr>
+              <a:t>https://sqlperformance.com/2015/08/sql-server-2016/perf-impact-always-encrypted</a:t>
+            </a:r>
+          </a:p>
+        </p:txBody>
+      </p:sp>
+    </p:spTree>
+    <p:extLst>
+      <p:ext uri="{BB962C8B-B14F-4D97-AF65-F5344CB8AC3E}">
+        <p14:creationId xmlns:p14="http://schemas.microsoft.com/office/powerpoint/2010/main" val="1218132711"/>
+      </p:ext>
+    </p:extLst>
+  </p:cSld>
+  <p:clrMapOvr>
+    <a:overrideClrMapping bg1="lt1" tx1="dk1" bg2="lt2" tx2="dk2" accent1="accent1" accent2="accent2" accent3="accent3" accent4="accent4" accent5="accent5" accent6="accent6" hlink="hlink" folHlink="folHlink"/>
+  </p:clrMapOvr>
+</p:sld>
+</file>
+
+<file path=ppt/slides/slide17.xml><?xml version="1.0" encoding="utf-8"?>
+<p:sld xmlns:a="http://schemas.openxmlformats.org/drawingml/2006/main" xmlns:r="http://schemas.openxmlformats.org/officeDocument/2006/relationships" xmlns:p="http://schemas.openxmlformats.org/presentationml/2006/main">
+  <p:cSld>
+    <p:bg>
+      <p:bgPr>
+        <a:solidFill>
+          <a:schemeClr val="bg1">
+            <a:lumMod val="95000"/>
+          </a:schemeClr>
+        </a:solidFill>
+        <a:effectLst/>
+      </p:bgPr>
+    </p:bg>
+    <p:spTree>
+      <p:nvGrpSpPr>
+        <p:cNvPr id="1" name=""/>
+        <p:cNvGrpSpPr/>
+        <p:nvPr/>
+      </p:nvGrpSpPr>
+      <p:grpSpPr>
+        <a:xfrm>
+          <a:off x="0" y="0"/>
+          <a:ext cx="0" cy="0"/>
+          <a:chOff x="0" y="0"/>
+          <a:chExt cx="0" cy="0"/>
+        </a:xfrm>
+      </p:grpSpPr>
+      <p:sp>
+        <p:nvSpPr>
+          <p:cNvPr id="2" name="Tytuł 1">
+            <a:extLst>
+              <a:ext uri="{FF2B5EF4-FFF2-40B4-BE49-F238E27FC236}">
+                <a16:creationId xmlns:a16="http://schemas.microsoft.com/office/drawing/2014/main" id="{E11C2F56-3D8F-42C6-87E9-FB1566CA3581}"/>
+              </a:ext>
+            </a:extLst>
+          </p:cNvPr>
+          <p:cNvSpPr>
+            <a:spLocks noGrp="1"/>
+          </p:cNvSpPr>
+          <p:nvPr>
+            <p:ph type="title"/>
           </p:nvPr>
         </p:nvSpPr>
         <p:spPr/>
@@ -5217,7 +5670,112 @@
           <a:bodyPr/>
           <a:lstStyle/>
           <a:p>
-            <a:endParaRPr lang="pl-PL" dirty="0"/>
+            <a:r>
+              <a:rPr lang="pl-PL" dirty="0"/>
+              <a:t>Co nowego w  SQL Server 2019</a:t>
+            </a:r>
+          </a:p>
+        </p:txBody>
+      </p:sp>
+      <p:pic>
+        <p:nvPicPr>
+          <p:cNvPr id="9" name="Symbol zastępczy zawartości 8">
+            <a:extLst>
+              <a:ext uri="{FF2B5EF4-FFF2-40B4-BE49-F238E27FC236}">
+                <a16:creationId xmlns:a16="http://schemas.microsoft.com/office/drawing/2014/main" id="{2C9D7F31-49A7-4EF0-B1A8-FB9BF977C3F5}"/>
+              </a:ext>
+            </a:extLst>
+          </p:cNvPr>
+          <p:cNvPicPr>
+            <a:picLocks noGrp="1" noChangeAspect="1"/>
+          </p:cNvPicPr>
+          <p:nvPr>
+            <p:ph idx="1"/>
+          </p:nvPr>
+        </p:nvPicPr>
+        <p:blipFill>
+          <a:blip r:embed="rId3">
+            <a:extLst>
+              <a:ext uri="{28A0092B-C50C-407E-A947-70E740481C1C}">
+                <a14:useLocalDpi xmlns:a14="http://schemas.microsoft.com/office/drawing/2010/main" val="0"/>
+              </a:ext>
+            </a:extLst>
+          </a:blip>
+          <a:stretch>
+            <a:fillRect/>
+          </a:stretch>
+        </p:blipFill>
+        <p:spPr>
+          <a:xfrm>
+            <a:off x="1151371" y="1690688"/>
+            <a:ext cx="8753475" cy="2990850"/>
+          </a:xfrm>
+        </p:spPr>
+      </p:pic>
+      <p:sp>
+        <p:nvSpPr>
+          <p:cNvPr id="10" name="pole tekstowe 9">
+            <a:extLst>
+              <a:ext uri="{FF2B5EF4-FFF2-40B4-BE49-F238E27FC236}">
+                <a16:creationId xmlns:a16="http://schemas.microsoft.com/office/drawing/2014/main" id="{EDAB3E54-9D54-4A1E-9EE9-188447B5BD13}"/>
+              </a:ext>
+            </a:extLst>
+          </p:cNvPr>
+          <p:cNvSpPr txBox="1"/>
+          <p:nvPr/>
+        </p:nvSpPr>
+        <p:spPr>
+          <a:xfrm>
+            <a:off x="1151371" y="4908884"/>
+            <a:ext cx="10460236" cy="1384995"/>
+          </a:xfrm>
+          <a:prstGeom prst="rect">
+            <a:avLst/>
+          </a:prstGeom>
+          <a:noFill/>
+        </p:spPr>
+        <p:txBody>
+          <a:bodyPr wrap="none" rtlCol="0">
+            <a:spAutoFit/>
+          </a:bodyPr>
+          <a:lstStyle/>
+          <a:p>
+            <a:pPr marL="285750" indent="-285750">
+              <a:buFont typeface="Arial" panose="020B0604020202020204" pitchFamily="34" charset="0"/>
+              <a:buChar char="•"/>
+            </a:pPr>
+            <a:r>
+              <a:rPr lang="pl-PL" sz="2800" dirty="0"/>
+              <a:t>Szyfrowanie danych „w bazie danych”</a:t>
+            </a:r>
+          </a:p>
+          <a:p>
+            <a:pPr marL="742950" lvl="1" indent="-285750">
+              <a:buFont typeface="Arial" panose="020B0604020202020204" pitchFamily="34" charset="0"/>
+              <a:buChar char="•"/>
+            </a:pPr>
+            <a:r>
+              <a:rPr lang="pl-PL" sz="2800" dirty="0"/>
+              <a:t>Lepsza wydajność migracji, rotacji kluczy danych, </a:t>
+            </a:r>
+            <a:r>
+              <a:rPr lang="pl-PL" sz="2800" dirty="0" err="1"/>
+              <a:t>init</a:t>
+            </a:r>
+            <a:r>
+              <a:rPr lang="pl-PL" sz="2800" dirty="0"/>
+              <a:t>. szyfrowania</a:t>
+            </a:r>
+          </a:p>
+          <a:p>
+            <a:pPr marL="285750" indent="-285750">
+              <a:buFont typeface="Arial" panose="020B0604020202020204" pitchFamily="34" charset="0"/>
+              <a:buChar char="•"/>
+            </a:pPr>
+            <a:r>
+              <a:rPr lang="pl-PL" sz="2800" dirty="0"/>
+              <a:t>Operacja LIKE nawet na kolumnach zaszyfrowanych losowo </a:t>
+            </a:r>
           </a:p>
         </p:txBody>
       </p:sp>
@@ -5234,7 +5792,7 @@
 </p:sld>
 </file>
 
-<file path=ppt/slides/slide17.xml><?xml version="1.0" encoding="utf-8"?>
+<file path=ppt/slides/slide18.xml><?xml version="1.0" encoding="utf-8"?>
 <p:sld xmlns:a="http://schemas.openxmlformats.org/drawingml/2006/main" xmlns:r="http://schemas.openxmlformats.org/officeDocument/2006/relationships" xmlns:p="http://schemas.openxmlformats.org/presentationml/2006/main">
   <p:cSld>
     <p:spTree>
@@ -5274,7 +5832,7 @@
           <a:p>
             <a:r>
               <a:rPr lang="pl-PL" dirty="0"/>
-              <a:t>Dzięki za uwagę</a:t>
+              <a:t>Dzięki za uwagę! Mam nadzieje że było wato;)</a:t>
             </a:r>
           </a:p>
         </p:txBody>
@@ -5297,7 +5855,9 @@
         </p:nvSpPr>
         <p:spPr/>
         <p:txBody>
-          <a:bodyPr/>
+          <a:bodyPr>
+            <a:normAutofit lnSpcReduction="10000"/>
+          </a:bodyPr>
           <a:lstStyle/>
           <a:p>
             <a:r>
@@ -5333,6 +5893,18 @@
               </a:rPr>
               <a:t>https://lowleveldesign.org/2017/08/28/sql-server-always-encrypted/</a:t>
             </a:r>
+            <a:endParaRPr lang="pl-PL" dirty="0"/>
+          </a:p>
+          <a:p>
+            <a:r>
+              <a:rPr lang="pl-PL" dirty="0">
+                <a:hlinkClick r:id="rId6"/>
+              </a:rPr>
+              <a:t>https://docs.microsoft.com/en-us/sql/relational-databases/security/encryption/always-encrypted-enclaves?view=sqlallproducts-allversions</a:t>
+            </a:r>
+            <a:endParaRPr lang="pl-PL" dirty="0"/>
+          </a:p>
+          <a:p>
             <a:endParaRPr lang="pl-PL" dirty="0"/>
           </a:p>
           <a:p>
@@ -6051,10 +6623,10 @@
       </p:pic>
       <p:pic>
         <p:nvPicPr>
-          <p:cNvPr id="12" name="Obraz 11">
-            <a:extLst>
-              <a:ext uri="{FF2B5EF4-FFF2-40B4-BE49-F238E27FC236}">
-                <a16:creationId xmlns:a16="http://schemas.microsoft.com/office/drawing/2014/main" id="{7703E42B-0F6F-4D3B-8D7F-7B62042F1F2D}"/>
+          <p:cNvPr id="6" name="Obraz 5">
+            <a:extLst>
+              <a:ext uri="{FF2B5EF4-FFF2-40B4-BE49-F238E27FC236}">
+                <a16:creationId xmlns:a16="http://schemas.microsoft.com/office/drawing/2014/main" id="{296CDBE6-DAFD-4799-B222-A8B6A50389EB}"/>
               </a:ext>
             </a:extLst>
           </p:cNvPr>
@@ -6077,43 +6649,7 @@
         </p:blipFill>
         <p:spPr>
           <a:xfrm>
-            <a:off x="2081212" y="3128962"/>
-            <a:ext cx="8029575" cy="600075"/>
-          </a:xfrm>
-          <a:prstGeom prst="rect">
-            <a:avLst/>
-          </a:prstGeom>
-        </p:spPr>
-      </p:pic>
-      <p:pic>
-        <p:nvPicPr>
-          <p:cNvPr id="6" name="Obraz 5">
-            <a:extLst>
-              <a:ext uri="{FF2B5EF4-FFF2-40B4-BE49-F238E27FC236}">
-                <a16:creationId xmlns:a16="http://schemas.microsoft.com/office/drawing/2014/main" id="{296CDBE6-DAFD-4799-B222-A8B6A50389EB}"/>
-              </a:ext>
-            </a:extLst>
-          </p:cNvPr>
-          <p:cNvPicPr>
-            <a:picLocks noChangeAspect="1"/>
-          </p:cNvPicPr>
-          <p:nvPr/>
-        </p:nvPicPr>
-        <p:blipFill>
-          <a:blip r:embed="rId6">
-            <a:extLst>
-              <a:ext uri="{28A0092B-C50C-407E-A947-70E740481C1C}">
-                <a14:useLocalDpi xmlns:a14="http://schemas.microsoft.com/office/drawing/2010/main" val="0"/>
-              </a:ext>
-            </a:extLst>
-          </a:blip>
-          <a:stretch>
-            <a:fillRect/>
-          </a:stretch>
-        </p:blipFill>
-        <p:spPr>
-          <a:xfrm>
-            <a:off x="1042095" y="1681162"/>
+            <a:off x="838200" y="1681162"/>
             <a:ext cx="9165530" cy="3486150"/>
           </a:xfrm>
           <a:prstGeom prst="rect">
@@ -6136,7 +6672,7 @@
           <p:nvPr/>
         </p:nvPicPr>
         <p:blipFill>
-          <a:blip r:embed="rId7">
+          <a:blip r:embed="rId6">
             <a:extLst>
               <a:ext uri="{28A0092B-C50C-407E-A947-70E740481C1C}">
                 <a14:useLocalDpi xmlns:a14="http://schemas.microsoft.com/office/drawing/2010/main" val="0"/>
@@ -6149,7 +6685,7 @@
         </p:blipFill>
         <p:spPr>
           <a:xfrm>
-            <a:off x="1042095" y="1681162"/>
+            <a:off x="470807" y="2105376"/>
             <a:ext cx="10700726" cy="2647248"/>
           </a:xfrm>
           <a:prstGeom prst="rect">
@@ -6246,7 +6782,7 @@
                                           </p:stCondLst>
                                         </p:cTn>
                                         <p:tgtEl>
-                                          <p:spTgt spid="12"/>
+                                          <p:spTgt spid="6"/>
                                         </p:tgtEl>
                                         <p:attrNameLst>
                                           <p:attrName>style.visibility</p:attrName>
@@ -6286,51 +6822,6 @@
                                     <p:set>
                                       <p:cBhvr>
                                         <p:cTn id="14" dur="1" fill="hold">
-                                          <p:stCondLst>
-                                            <p:cond delay="0"/>
-                                          </p:stCondLst>
-                                        </p:cTn>
-                                        <p:tgtEl>
-                                          <p:spTgt spid="6"/>
-                                        </p:tgtEl>
-                                        <p:attrNameLst>
-                                          <p:attrName>style.visibility</p:attrName>
-                                        </p:attrNameLst>
-                                      </p:cBhvr>
-                                      <p:to>
-                                        <p:strVal val="visible"/>
-                                      </p:to>
-                                    </p:set>
-                                  </p:childTnLst>
-                                </p:cTn>
-                              </p:par>
-                            </p:childTnLst>
-                          </p:cTn>
-                        </p:par>
-                      </p:childTnLst>
-                    </p:cTn>
-                  </p:par>
-                  <p:par>
-                    <p:cTn id="15" fill="hold">
-                      <p:stCondLst>
-                        <p:cond delay="indefinite"/>
-                      </p:stCondLst>
-                      <p:childTnLst>
-                        <p:par>
-                          <p:cTn id="16" fill="hold">
-                            <p:stCondLst>
-                              <p:cond delay="0"/>
-                            </p:stCondLst>
-                            <p:childTnLst>
-                              <p:par>
-                                <p:cTn id="17" presetID="1" presetClass="entr" presetSubtype="0" fill="hold" nodeType="clickEffect">
-                                  <p:stCondLst>
-                                    <p:cond delay="0"/>
-                                  </p:stCondLst>
-                                  <p:childTnLst>
-                                    <p:set>
-                                      <p:cBhvr>
-                                        <p:cTn id="18" dur="1" fill="hold">
                                           <p:stCondLst>
                                             <p:cond delay="0"/>
                                           </p:stCondLst>
@@ -6534,6 +7025,16 @@
 <file path=ppt/slides/slide5.xml><?xml version="1.0" encoding="utf-8"?>
 <p:sld xmlns:a="http://schemas.openxmlformats.org/drawingml/2006/main" xmlns:r="http://schemas.openxmlformats.org/officeDocument/2006/relationships" xmlns:p="http://schemas.openxmlformats.org/presentationml/2006/main">
   <p:cSld>
+    <p:bg>
+      <p:bgPr>
+        <a:solidFill>
+          <a:schemeClr val="bg1">
+            <a:lumMod val="95000"/>
+          </a:schemeClr>
+        </a:solidFill>
+        <a:effectLst/>
+      </p:bgPr>
+    </p:bg>
     <p:spTree>
       <p:nvGrpSpPr>
         <p:cNvPr id="1" name=""/>
@@ -6550,10 +7051,10 @@
       </p:grpSpPr>
       <p:sp>
         <p:nvSpPr>
-          <p:cNvPr id="2" name="Title 1">
-            <a:extLst>
-              <a:ext uri="{FF2B5EF4-FFF2-40B4-BE49-F238E27FC236}">
-                <a16:creationId xmlns:a16="http://schemas.microsoft.com/office/drawing/2014/main" id="{BF5862E4-ACF6-444F-ADFB-F41819759C7E}"/>
+          <p:cNvPr id="2" name="Tytuł 1">
+            <a:extLst>
+              <a:ext uri="{FF2B5EF4-FFF2-40B4-BE49-F238E27FC236}">
+                <a16:creationId xmlns:a16="http://schemas.microsoft.com/office/drawing/2014/main" id="{8159E160-4E99-4EF5-8C26-B0CE33387044}"/>
               </a:ext>
             </a:extLst>
           </p:cNvPr>
@@ -6571,55 +7072,124 @@
           <a:p>
             <a:r>
               <a:rPr lang="pl-PL" dirty="0"/>
-              <a:t>Certyfikat szyfrujący klucz</a:t>
-            </a:r>
-          </a:p>
-        </p:txBody>
-      </p:sp>
-      <p:pic>
-        <p:nvPicPr>
-          <p:cNvPr id="9" name="Content Placeholder 8">
-            <a:extLst>
-              <a:ext uri="{FF2B5EF4-FFF2-40B4-BE49-F238E27FC236}">
-                <a16:creationId xmlns:a16="http://schemas.microsoft.com/office/drawing/2014/main" id="{624E9214-1DDE-4195-8F61-EC75FAACB7D9}"/>
-              </a:ext>
-            </a:extLst>
-          </p:cNvPr>
-          <p:cNvPicPr>
-            <a:picLocks noGrp="1" noChangeAspect="1"/>
-          </p:cNvPicPr>
+              <a:t>CMK </a:t>
+            </a:r>
+            <a:r>
+              <a:rPr lang="pl-PL" dirty="0" err="1"/>
+              <a:t>providers</a:t>
+            </a:r>
+            <a:endParaRPr lang="pl-PL" dirty="0"/>
+          </a:p>
+        </p:txBody>
+      </p:sp>
+      <p:sp>
+        <p:nvSpPr>
+          <p:cNvPr id="3" name="Symbol zastępczy zawartości 2">
+            <a:extLst>
+              <a:ext uri="{FF2B5EF4-FFF2-40B4-BE49-F238E27FC236}">
+                <a16:creationId xmlns:a16="http://schemas.microsoft.com/office/drawing/2014/main" id="{5D07EB02-A3F3-4ED1-A502-F73A2453CA1C}"/>
+              </a:ext>
+            </a:extLst>
+          </p:cNvPr>
+          <p:cNvSpPr>
+            <a:spLocks noGrp="1"/>
+          </p:cNvSpPr>
           <p:nvPr>
             <p:ph idx="1"/>
           </p:nvPr>
-        </p:nvPicPr>
-        <p:blipFill>
-          <a:blip r:embed="rId2">
-            <a:extLst>
-              <a:ext uri="{28A0092B-C50C-407E-A947-70E740481C1C}">
-                <a14:useLocalDpi xmlns:a14="http://schemas.microsoft.com/office/drawing/2010/main" val="0"/>
-              </a:ext>
-            </a:extLst>
-          </a:blip>
-          <a:stretch>
-            <a:fillRect/>
-          </a:stretch>
-        </p:blipFill>
-        <p:spPr>
-          <a:xfrm>
-            <a:off x="838200" y="1767681"/>
-            <a:ext cx="10735239" cy="2805112"/>
-          </a:xfrm>
-        </p:spPr>
-      </p:pic>
+        </p:nvSpPr>
+        <p:spPr/>
+        <p:txBody>
+          <a:bodyPr>
+            <a:normAutofit lnSpcReduction="10000"/>
+          </a:bodyPr>
+          <a:lstStyle/>
+          <a:p>
+            <a:r>
+              <a:rPr lang="en-US" dirty="0"/>
+              <a:t>'MSSQL_CERTIFICATE_STORE’ 	</a:t>
+            </a:r>
+            <a:endParaRPr lang="pl-PL" dirty="0"/>
+          </a:p>
+          <a:p>
+            <a:pPr lvl="1"/>
+            <a:r>
+              <a:rPr lang="en-US" dirty="0"/>
+              <a:t>Windows Certificate Store</a:t>
+            </a:r>
+            <a:endParaRPr lang="pl-PL" dirty="0"/>
+          </a:p>
+          <a:p>
+            <a:r>
+              <a:rPr lang="en-US" dirty="0"/>
+              <a:t>'MSSQL_CSP_PROVIDER’ 	</a:t>
+            </a:r>
+            <a:endParaRPr lang="pl-PL" dirty="0"/>
+          </a:p>
+          <a:p>
+            <a:pPr lvl="1"/>
+            <a:r>
+              <a:rPr lang="en-US" dirty="0"/>
+              <a:t>A store, such as a hardware security module (HSM), that supports Microsoft CryptoAPI.</a:t>
+            </a:r>
+            <a:endParaRPr lang="pl-PL" dirty="0"/>
+          </a:p>
+          <a:p>
+            <a:r>
+              <a:rPr lang="en-US" dirty="0"/>
+              <a:t>'MSSQL_CNG_STORE’ 	</a:t>
+            </a:r>
+            <a:endParaRPr lang="pl-PL" dirty="0"/>
+          </a:p>
+          <a:p>
+            <a:pPr lvl="1"/>
+            <a:r>
+              <a:rPr lang="en-US" dirty="0"/>
+              <a:t>A store, such as a hardware security module (HSM), that supports Cryptography API: Next Generation.</a:t>
+            </a:r>
+            <a:endParaRPr lang="pl-PL" dirty="0"/>
+          </a:p>
+          <a:p>
+            <a:r>
+              <a:rPr lang="en-US" dirty="0"/>
+              <a:t>'</a:t>
+            </a:r>
+            <a:r>
+              <a:rPr lang="en-US" dirty="0" err="1"/>
+              <a:t>Azure_Key_Vault</a:t>
+            </a:r>
+            <a:r>
+              <a:rPr lang="en-US" dirty="0"/>
+              <a:t>’ 	</a:t>
+            </a:r>
+            <a:endParaRPr lang="pl-PL" dirty="0"/>
+          </a:p>
+          <a:p>
+            <a:r>
+              <a:rPr lang="en-US" dirty="0"/>
+              <a:t>'</a:t>
+            </a:r>
+            <a:r>
+              <a:rPr lang="pl-PL" dirty="0" err="1"/>
+              <a:t>Własna_implementacja</a:t>
+            </a:r>
+            <a:r>
+              <a:rPr lang="en-US" dirty="0"/>
+              <a:t>’ 	</a:t>
+            </a:r>
+            <a:endParaRPr lang="pl-PL" dirty="0"/>
+          </a:p>
+        </p:txBody>
+      </p:sp>
     </p:spTree>
     <p:extLst>
       <p:ext uri="{BB962C8B-B14F-4D97-AF65-F5344CB8AC3E}">
-        <p14:creationId xmlns:p14="http://schemas.microsoft.com/office/powerpoint/2010/main" val="305604507"/>
+        <p14:creationId xmlns:p14="http://schemas.microsoft.com/office/powerpoint/2010/main" val="3312357764"/>
       </p:ext>
     </p:extLst>
   </p:cSld>
   <p:clrMapOvr>
-    <a:masterClrMapping/>
+    <a:overrideClrMapping bg1="lt1" tx1="dk1" bg2="lt2" tx2="dk2" accent1="accent1" accent2="accent2" accent3="accent3" accent4="accent4" accent5="accent5" accent6="accent6" hlink="hlink" folHlink="folHlink"/>
   </p:clrMapOvr>
 </p:sld>
 </file>
@@ -6656,6 +7226,109 @@
           <p:cNvPr id="2" name="Title 1">
             <a:extLst>
               <a:ext uri="{FF2B5EF4-FFF2-40B4-BE49-F238E27FC236}">
+                <a16:creationId xmlns:a16="http://schemas.microsoft.com/office/drawing/2014/main" id="{BF5862E4-ACF6-444F-ADFB-F41819759C7E}"/>
+              </a:ext>
+            </a:extLst>
+          </p:cNvPr>
+          <p:cNvSpPr>
+            <a:spLocks noGrp="1"/>
+          </p:cNvSpPr>
+          <p:nvPr>
+            <p:ph type="title"/>
+          </p:nvPr>
+        </p:nvSpPr>
+        <p:spPr/>
+        <p:txBody>
+          <a:bodyPr/>
+          <a:lstStyle/>
+          <a:p>
+            <a:r>
+              <a:rPr lang="pl-PL" dirty="0"/>
+              <a:t>Certyfikat szyfrujący klucz</a:t>
+            </a:r>
+          </a:p>
+        </p:txBody>
+      </p:sp>
+      <p:pic>
+        <p:nvPicPr>
+          <p:cNvPr id="9" name="Content Placeholder 8">
+            <a:extLst>
+              <a:ext uri="{FF2B5EF4-FFF2-40B4-BE49-F238E27FC236}">
+                <a16:creationId xmlns:a16="http://schemas.microsoft.com/office/drawing/2014/main" id="{624E9214-1DDE-4195-8F61-EC75FAACB7D9}"/>
+              </a:ext>
+            </a:extLst>
+          </p:cNvPr>
+          <p:cNvPicPr>
+            <a:picLocks noGrp="1" noChangeAspect="1"/>
+          </p:cNvPicPr>
+          <p:nvPr>
+            <p:ph idx="1"/>
+          </p:nvPr>
+        </p:nvPicPr>
+        <p:blipFill>
+          <a:blip r:embed="rId3">
+            <a:extLst>
+              <a:ext uri="{28A0092B-C50C-407E-A947-70E740481C1C}">
+                <a14:useLocalDpi xmlns:a14="http://schemas.microsoft.com/office/drawing/2010/main" val="0"/>
+              </a:ext>
+            </a:extLst>
+          </a:blip>
+          <a:stretch>
+            <a:fillRect/>
+          </a:stretch>
+        </p:blipFill>
+        <p:spPr>
+          <a:xfrm>
+            <a:off x="838200" y="1767681"/>
+            <a:ext cx="10735239" cy="2805112"/>
+          </a:xfrm>
+        </p:spPr>
+      </p:pic>
+    </p:spTree>
+    <p:extLst>
+      <p:ext uri="{BB962C8B-B14F-4D97-AF65-F5344CB8AC3E}">
+        <p14:creationId xmlns:p14="http://schemas.microsoft.com/office/powerpoint/2010/main" val="305604507"/>
+      </p:ext>
+    </p:extLst>
+  </p:cSld>
+  <p:clrMapOvr>
+    <a:overrideClrMapping bg1="lt1" tx1="dk1" bg2="lt2" tx2="dk2" accent1="accent1" accent2="accent2" accent3="accent3" accent4="accent4" accent5="accent5" accent6="accent6" hlink="hlink" folHlink="folHlink"/>
+  </p:clrMapOvr>
+</p:sld>
+</file>
+
+<file path=ppt/slides/slide7.xml><?xml version="1.0" encoding="utf-8"?>
+<p:sld xmlns:a="http://schemas.openxmlformats.org/drawingml/2006/main" xmlns:r="http://schemas.openxmlformats.org/officeDocument/2006/relationships" xmlns:p="http://schemas.openxmlformats.org/presentationml/2006/main">
+  <p:cSld>
+    <p:bg>
+      <p:bgPr>
+        <a:solidFill>
+          <a:schemeClr val="bg1">
+            <a:lumMod val="95000"/>
+          </a:schemeClr>
+        </a:solidFill>
+        <a:effectLst/>
+      </p:bgPr>
+    </p:bg>
+    <p:spTree>
+      <p:nvGrpSpPr>
+        <p:cNvPr id="1" name=""/>
+        <p:cNvGrpSpPr/>
+        <p:nvPr/>
+      </p:nvGrpSpPr>
+      <p:grpSpPr>
+        <a:xfrm>
+          <a:off x="0" y="0"/>
+          <a:ext cx="0" cy="0"/>
+          <a:chOff x="0" y="0"/>
+          <a:chExt cx="0" cy="0"/>
+        </a:xfrm>
+      </p:grpSpPr>
+      <p:sp>
+        <p:nvSpPr>
+          <p:cNvPr id="2" name="Title 1">
+            <a:extLst>
+              <a:ext uri="{FF2B5EF4-FFF2-40B4-BE49-F238E27FC236}">
                 <a16:creationId xmlns:a16="http://schemas.microsoft.com/office/drawing/2014/main" id="{5A5A6E2C-5D23-4C87-93AC-B422D07F72BE}"/>
               </a:ext>
             </a:extLst>
@@ -6766,7 +7439,7 @@
 </p:sld>
 </file>
 
-<file path=ppt/slides/slide7.xml><?xml version="1.0" encoding="utf-8"?>
+<file path=ppt/slides/slide8.xml><?xml version="1.0" encoding="utf-8"?>
 <p:sld xmlns:a="http://schemas.openxmlformats.org/drawingml/2006/main" xmlns:r="http://schemas.openxmlformats.org/officeDocument/2006/relationships" xmlns:p="http://schemas.openxmlformats.org/presentationml/2006/main">
   <p:cSld>
     <p:bg>
@@ -7019,109 +7692,6 @@
 </p:sld>
 </file>
 
-<file path=ppt/slides/slide8.xml><?xml version="1.0" encoding="utf-8"?>
-<p:sld xmlns:a="http://schemas.openxmlformats.org/drawingml/2006/main" xmlns:r="http://schemas.openxmlformats.org/officeDocument/2006/relationships" xmlns:p="http://schemas.openxmlformats.org/presentationml/2006/main">
-  <p:cSld>
-    <p:bg>
-      <p:bgPr>
-        <a:solidFill>
-          <a:schemeClr val="bg1">
-            <a:lumMod val="95000"/>
-          </a:schemeClr>
-        </a:solidFill>
-        <a:effectLst/>
-      </p:bgPr>
-    </p:bg>
-    <p:spTree>
-      <p:nvGrpSpPr>
-        <p:cNvPr id="1" name=""/>
-        <p:cNvGrpSpPr/>
-        <p:nvPr/>
-      </p:nvGrpSpPr>
-      <p:grpSpPr>
-        <a:xfrm>
-          <a:off x="0" y="0"/>
-          <a:ext cx="0" cy="0"/>
-          <a:chOff x="0" y="0"/>
-          <a:chExt cx="0" cy="0"/>
-        </a:xfrm>
-      </p:grpSpPr>
-      <p:sp>
-        <p:nvSpPr>
-          <p:cNvPr id="2" name="Title 1">
-            <a:extLst>
-              <a:ext uri="{FF2B5EF4-FFF2-40B4-BE49-F238E27FC236}">
-                <a16:creationId xmlns:a16="http://schemas.microsoft.com/office/drawing/2014/main" id="{849AB27E-094A-490E-B5B7-EB844A11B0FF}"/>
-              </a:ext>
-            </a:extLst>
-          </p:cNvPr>
-          <p:cNvSpPr>
-            <a:spLocks noGrp="1"/>
-          </p:cNvSpPr>
-          <p:nvPr>
-            <p:ph type="title"/>
-          </p:nvPr>
-        </p:nvSpPr>
-        <p:spPr/>
-        <p:txBody>
-          <a:bodyPr/>
-          <a:lstStyle/>
-          <a:p>
-            <a:r>
-              <a:rPr lang="pl-PL" dirty="0"/>
-              <a:t>Zaszyfrowana kolumna</a:t>
-            </a:r>
-          </a:p>
-        </p:txBody>
-      </p:sp>
-      <p:pic>
-        <p:nvPicPr>
-          <p:cNvPr id="5" name="Symbol zastępczy zawartości 4">
-            <a:extLst>
-              <a:ext uri="{FF2B5EF4-FFF2-40B4-BE49-F238E27FC236}">
-                <a16:creationId xmlns:a16="http://schemas.microsoft.com/office/drawing/2014/main" id="{214AA832-8427-4FA5-B2A4-BBAE27D248D6}"/>
-              </a:ext>
-            </a:extLst>
-          </p:cNvPr>
-          <p:cNvPicPr>
-            <a:picLocks noGrp="1" noChangeAspect="1"/>
-          </p:cNvPicPr>
-          <p:nvPr>
-            <p:ph idx="1"/>
-          </p:nvPr>
-        </p:nvPicPr>
-        <p:blipFill>
-          <a:blip r:embed="rId3">
-            <a:extLst>
-              <a:ext uri="{28A0092B-C50C-407E-A947-70E740481C1C}">
-                <a14:useLocalDpi xmlns:a14="http://schemas.microsoft.com/office/drawing/2010/main" val="0"/>
-              </a:ext>
-            </a:extLst>
-          </a:blip>
-          <a:stretch>
-            <a:fillRect/>
-          </a:stretch>
-        </p:blipFill>
-        <p:spPr>
-          <a:xfrm>
-            <a:off x="914400" y="1711042"/>
-            <a:ext cx="10439399" cy="4614183"/>
-          </a:xfrm>
-        </p:spPr>
-      </p:pic>
-    </p:spTree>
-    <p:extLst>
-      <p:ext uri="{BB962C8B-B14F-4D97-AF65-F5344CB8AC3E}">
-        <p14:creationId xmlns:p14="http://schemas.microsoft.com/office/powerpoint/2010/main" val="3651000747"/>
-      </p:ext>
-    </p:extLst>
-  </p:cSld>
-  <p:clrMapOvr>
-    <a:overrideClrMapping bg1="lt1" tx1="dk1" bg2="lt2" tx2="dk2" accent1="accent1" accent2="accent2" accent3="accent3" accent4="accent4" accent5="accent5" accent6="accent6" hlink="hlink" folHlink="folHlink"/>
-  </p:clrMapOvr>
-</p:sld>
-</file>
-
 <file path=ppt/slides/slide9.xml><?xml version="1.0" encoding="utf-8"?>
 <p:sld xmlns:a="http://schemas.openxmlformats.org/drawingml/2006/main" xmlns:r="http://schemas.openxmlformats.org/officeDocument/2006/relationships" xmlns:p="http://schemas.openxmlformats.org/presentationml/2006/main">
   <p:cSld>
@@ -7151,10 +7721,10 @@
       </p:grpSpPr>
       <p:sp>
         <p:nvSpPr>
-          <p:cNvPr id="2" name="Tytuł 1">
-            <a:extLst>
-              <a:ext uri="{FF2B5EF4-FFF2-40B4-BE49-F238E27FC236}">
-                <a16:creationId xmlns:a16="http://schemas.microsoft.com/office/drawing/2014/main" id="{95D2242A-8825-4DD6-B6E3-192B2CD441CA}"/>
+          <p:cNvPr id="2" name="Title 1">
+            <a:extLst>
+              <a:ext uri="{FF2B5EF4-FFF2-40B4-BE49-F238E27FC236}">
+                <a16:creationId xmlns:a16="http://schemas.microsoft.com/office/drawing/2014/main" id="{849AB27E-094A-490E-B5B7-EB844A11B0FF}"/>
               </a:ext>
             </a:extLst>
           </p:cNvPr>
@@ -7165,342 +7735,33 @@
             <p:ph type="title"/>
           </p:nvPr>
         </p:nvSpPr>
-        <p:spPr>
-          <a:xfrm>
-            <a:off x="838200" y="365125"/>
-            <a:ext cx="10515600" cy="909493"/>
-          </a:xfrm>
-        </p:spPr>
+        <p:spPr/>
         <p:txBody>
           <a:bodyPr/>
           <a:lstStyle/>
           <a:p>
             <a:r>
-              <a:rPr lang="pl-PL" dirty="0" err="1"/>
-              <a:t>Deterministic</a:t>
-            </a:r>
-            <a:r>
               <a:rPr lang="pl-PL" dirty="0"/>
-              <a:t> </a:t>
-            </a:r>
-          </a:p>
-        </p:txBody>
-      </p:sp>
-      <p:sp>
-        <p:nvSpPr>
-          <p:cNvPr id="3" name="Symbol zastępczy zawartości 2">
-            <a:extLst>
-              <a:ext uri="{FF2B5EF4-FFF2-40B4-BE49-F238E27FC236}">
-                <a16:creationId xmlns:a16="http://schemas.microsoft.com/office/drawing/2014/main" id="{49632620-FF6C-45BF-A5B4-C309DFC12EBD}"/>
-              </a:ext>
-            </a:extLst>
-          </p:cNvPr>
-          <p:cNvSpPr>
-            <a:spLocks noGrp="1"/>
-          </p:cNvSpPr>
-          <p:nvPr>
-            <p:ph idx="1"/>
-          </p:nvPr>
-        </p:nvSpPr>
-        <p:spPr>
-          <a:xfrm>
-            <a:off x="838200" y="1325673"/>
-            <a:ext cx="10515600" cy="1158207"/>
-          </a:xfrm>
-        </p:spPr>
-        <p:txBody>
-          <a:bodyPr/>
-          <a:lstStyle/>
-          <a:p>
-            <a:r>
-              <a:rPr lang="pl-PL" dirty="0"/>
-              <a:t>Generuje zawsze taki sam wynik dla takiego samego ciągu znaków</a:t>
-            </a:r>
-          </a:p>
-          <a:p>
-            <a:r>
-              <a:rPr lang="pl-PL" dirty="0"/>
-              <a:t>Pozwala przeprowadzać operacje WHERE/JOIN/GROUP BY/INDEXING </a:t>
-            </a:r>
-          </a:p>
-        </p:txBody>
-      </p:sp>
-      <p:sp>
-        <p:nvSpPr>
-          <p:cNvPr id="4" name="Tytuł 1">
-            <a:extLst>
-              <a:ext uri="{FF2B5EF4-FFF2-40B4-BE49-F238E27FC236}">
-                <a16:creationId xmlns:a16="http://schemas.microsoft.com/office/drawing/2014/main" id="{8E4BE19B-D61C-46A8-A348-964EF105862A}"/>
-              </a:ext>
-            </a:extLst>
-          </p:cNvPr>
-          <p:cNvSpPr txBox="1">
-            <a:spLocks/>
-          </p:cNvSpPr>
-          <p:nvPr/>
-        </p:nvSpPr>
-        <p:spPr>
-          <a:xfrm>
-            <a:off x="838200" y="2606207"/>
-            <a:ext cx="10515600" cy="691175"/>
-          </a:xfrm>
-          <a:prstGeom prst="rect">
-            <a:avLst/>
-          </a:prstGeom>
-        </p:spPr>
-        <p:txBody>
-          <a:bodyPr vert="horz" lIns="91440" tIns="45720" rIns="91440" bIns="45720" rtlCol="0" anchor="ctr">
-            <a:normAutofit lnSpcReduction="10000"/>
-          </a:bodyPr>
-          <a:lstStyle>
-            <a:lvl1pPr algn="l" defTabSz="914400" rtl="0" eaLnBrk="1" latinLnBrk="0" hangingPunct="1">
-              <a:lnSpc>
-                <a:spcPct val="90000"/>
-              </a:lnSpc>
-              <a:spcBef>
-                <a:spcPct val="0"/>
-              </a:spcBef>
-              <a:buNone/>
-              <a:defRPr sz="4400" kern="1200">
-                <a:solidFill>
-                  <a:schemeClr val="tx1"/>
-                </a:solidFill>
-                <a:latin typeface="+mj-lt"/>
-                <a:ea typeface="+mj-ea"/>
-                <a:cs typeface="+mj-cs"/>
-              </a:defRPr>
-            </a:lvl1pPr>
-          </a:lstStyle>
-          <a:p>
-            <a:r>
-              <a:rPr lang="pl-PL" dirty="0" err="1"/>
-              <a:t>Randomized</a:t>
-            </a:r>
-            <a:r>
-              <a:rPr lang="pl-PL" dirty="0"/>
-              <a:t>  </a:t>
-            </a:r>
-          </a:p>
-        </p:txBody>
-      </p:sp>
-      <p:sp>
-        <p:nvSpPr>
-          <p:cNvPr id="5" name="Symbol zastępczy zawartości 2">
-            <a:extLst>
-              <a:ext uri="{FF2B5EF4-FFF2-40B4-BE49-F238E27FC236}">
-                <a16:creationId xmlns:a16="http://schemas.microsoft.com/office/drawing/2014/main" id="{F37ABFD6-79D3-4D25-AE73-38531EA097A4}"/>
-              </a:ext>
-            </a:extLst>
-          </p:cNvPr>
-          <p:cNvSpPr txBox="1">
-            <a:spLocks/>
-          </p:cNvSpPr>
-          <p:nvPr/>
-        </p:nvSpPr>
-        <p:spPr>
-          <a:xfrm>
-            <a:off x="838200" y="3265129"/>
-            <a:ext cx="10515600" cy="1158207"/>
-          </a:xfrm>
-          <a:prstGeom prst="rect">
-            <a:avLst/>
-          </a:prstGeom>
-        </p:spPr>
-        <p:txBody>
-          <a:bodyPr vert="horz" lIns="91440" tIns="45720" rIns="91440" bIns="45720" rtlCol="0">
-            <a:normAutofit/>
-          </a:bodyPr>
-          <a:lstStyle>
-            <a:lvl1pPr marL="228600" indent="-228600" algn="l" defTabSz="914400" rtl="0" eaLnBrk="1" latinLnBrk="0" hangingPunct="1">
-              <a:lnSpc>
-                <a:spcPct val="90000"/>
-              </a:lnSpc>
-              <a:spcBef>
-                <a:spcPts val="1000"/>
-              </a:spcBef>
-              <a:buFont typeface="Arial" panose="020B0604020202020204" pitchFamily="34" charset="0"/>
-              <a:buChar char="•"/>
-              <a:defRPr sz="2800" kern="1200">
-                <a:solidFill>
-                  <a:schemeClr val="tx1"/>
-                </a:solidFill>
-                <a:latin typeface="+mn-lt"/>
-                <a:ea typeface="+mn-ea"/>
-                <a:cs typeface="+mn-cs"/>
-              </a:defRPr>
-            </a:lvl1pPr>
-            <a:lvl2pPr marL="685800" indent="-228600" algn="l" defTabSz="914400" rtl="0" eaLnBrk="1" latinLnBrk="0" hangingPunct="1">
-              <a:lnSpc>
-                <a:spcPct val="90000"/>
-              </a:lnSpc>
-              <a:spcBef>
-                <a:spcPts val="500"/>
-              </a:spcBef>
-              <a:buFont typeface="Arial" panose="020B0604020202020204" pitchFamily="34" charset="0"/>
-              <a:buChar char="•"/>
-              <a:defRPr sz="2400" kern="1200">
-                <a:solidFill>
-                  <a:schemeClr val="tx1"/>
-                </a:solidFill>
-                <a:latin typeface="+mn-lt"/>
-                <a:ea typeface="+mn-ea"/>
-                <a:cs typeface="+mn-cs"/>
-              </a:defRPr>
-            </a:lvl2pPr>
-            <a:lvl3pPr marL="1143000" indent="-228600" algn="l" defTabSz="914400" rtl="0" eaLnBrk="1" latinLnBrk="0" hangingPunct="1">
-              <a:lnSpc>
-                <a:spcPct val="90000"/>
-              </a:lnSpc>
-              <a:spcBef>
-                <a:spcPts val="500"/>
-              </a:spcBef>
-              <a:buFont typeface="Arial" panose="020B0604020202020204" pitchFamily="34" charset="0"/>
-              <a:buChar char="•"/>
-              <a:defRPr sz="2000" kern="1200">
-                <a:solidFill>
-                  <a:schemeClr val="tx1"/>
-                </a:solidFill>
-                <a:latin typeface="+mn-lt"/>
-                <a:ea typeface="+mn-ea"/>
-                <a:cs typeface="+mn-cs"/>
-              </a:defRPr>
-            </a:lvl3pPr>
-            <a:lvl4pPr marL="1600200" indent="-228600" algn="l" defTabSz="914400" rtl="0" eaLnBrk="1" latinLnBrk="0" hangingPunct="1">
-              <a:lnSpc>
-                <a:spcPct val="90000"/>
-              </a:lnSpc>
-              <a:spcBef>
-                <a:spcPts val="500"/>
-              </a:spcBef>
-              <a:buFont typeface="Arial" panose="020B0604020202020204" pitchFamily="34" charset="0"/>
-              <a:buChar char="•"/>
-              <a:defRPr sz="1800" kern="1200">
-                <a:solidFill>
-                  <a:schemeClr val="tx1"/>
-                </a:solidFill>
-                <a:latin typeface="+mn-lt"/>
-                <a:ea typeface="+mn-ea"/>
-                <a:cs typeface="+mn-cs"/>
-              </a:defRPr>
-            </a:lvl4pPr>
-            <a:lvl5pPr marL="2057400" indent="-228600" algn="l" defTabSz="914400" rtl="0" eaLnBrk="1" latinLnBrk="0" hangingPunct="1">
-              <a:lnSpc>
-                <a:spcPct val="90000"/>
-              </a:lnSpc>
-              <a:spcBef>
-                <a:spcPts val="500"/>
-              </a:spcBef>
-              <a:buFont typeface="Arial" panose="020B0604020202020204" pitchFamily="34" charset="0"/>
-              <a:buChar char="•"/>
-              <a:defRPr sz="1800" kern="1200">
-                <a:solidFill>
-                  <a:schemeClr val="tx1"/>
-                </a:solidFill>
-                <a:latin typeface="+mn-lt"/>
-                <a:ea typeface="+mn-ea"/>
-                <a:cs typeface="+mn-cs"/>
-              </a:defRPr>
-            </a:lvl5pPr>
-            <a:lvl6pPr marL="2514600" indent="-228600" algn="l" defTabSz="914400" rtl="0" eaLnBrk="1" latinLnBrk="0" hangingPunct="1">
-              <a:lnSpc>
-                <a:spcPct val="90000"/>
-              </a:lnSpc>
-              <a:spcBef>
-                <a:spcPts val="500"/>
-              </a:spcBef>
-              <a:buFont typeface="Arial" panose="020B0604020202020204" pitchFamily="34" charset="0"/>
-              <a:buChar char="•"/>
-              <a:defRPr sz="1800" kern="1200">
-                <a:solidFill>
-                  <a:schemeClr val="tx1"/>
-                </a:solidFill>
-                <a:latin typeface="+mn-lt"/>
-                <a:ea typeface="+mn-ea"/>
-                <a:cs typeface="+mn-cs"/>
-              </a:defRPr>
-            </a:lvl6pPr>
-            <a:lvl7pPr marL="2971800" indent="-228600" algn="l" defTabSz="914400" rtl="0" eaLnBrk="1" latinLnBrk="0" hangingPunct="1">
-              <a:lnSpc>
-                <a:spcPct val="90000"/>
-              </a:lnSpc>
-              <a:spcBef>
-                <a:spcPts val="500"/>
-              </a:spcBef>
-              <a:buFont typeface="Arial" panose="020B0604020202020204" pitchFamily="34" charset="0"/>
-              <a:buChar char="•"/>
-              <a:defRPr sz="1800" kern="1200">
-                <a:solidFill>
-                  <a:schemeClr val="tx1"/>
-                </a:solidFill>
-                <a:latin typeface="+mn-lt"/>
-                <a:ea typeface="+mn-ea"/>
-                <a:cs typeface="+mn-cs"/>
-              </a:defRPr>
-            </a:lvl7pPr>
-            <a:lvl8pPr marL="3429000" indent="-228600" algn="l" defTabSz="914400" rtl="0" eaLnBrk="1" latinLnBrk="0" hangingPunct="1">
-              <a:lnSpc>
-                <a:spcPct val="90000"/>
-              </a:lnSpc>
-              <a:spcBef>
-                <a:spcPts val="500"/>
-              </a:spcBef>
-              <a:buFont typeface="Arial" panose="020B0604020202020204" pitchFamily="34" charset="0"/>
-              <a:buChar char="•"/>
-              <a:defRPr sz="1800" kern="1200">
-                <a:solidFill>
-                  <a:schemeClr val="tx1"/>
-                </a:solidFill>
-                <a:latin typeface="+mn-lt"/>
-                <a:ea typeface="+mn-ea"/>
-                <a:cs typeface="+mn-cs"/>
-              </a:defRPr>
-            </a:lvl8pPr>
-            <a:lvl9pPr marL="3886200" indent="-228600" algn="l" defTabSz="914400" rtl="0" eaLnBrk="1" latinLnBrk="0" hangingPunct="1">
-              <a:lnSpc>
-                <a:spcPct val="90000"/>
-              </a:lnSpc>
-              <a:spcBef>
-                <a:spcPts val="500"/>
-              </a:spcBef>
-              <a:buFont typeface="Arial" panose="020B0604020202020204" pitchFamily="34" charset="0"/>
-              <a:buChar char="•"/>
-              <a:defRPr sz="1800" kern="1200">
-                <a:solidFill>
-                  <a:schemeClr val="tx1"/>
-                </a:solidFill>
-                <a:latin typeface="+mn-lt"/>
-                <a:ea typeface="+mn-ea"/>
-                <a:cs typeface="+mn-cs"/>
-              </a:defRPr>
-            </a:lvl9pPr>
-          </a:lstStyle>
-          <a:p>
-            <a:r>
-              <a:rPr lang="pl-PL" dirty="0"/>
-              <a:t>Generuje różny wynik dla takiego samego ciągu znaków</a:t>
-            </a:r>
-          </a:p>
-          <a:p>
-            <a:r>
-              <a:rPr lang="pl-PL" dirty="0"/>
-              <a:t>Bezpieczniejszy</a:t>
+              <a:t>Zaszyfrowana kolumna</a:t>
             </a:r>
           </a:p>
         </p:txBody>
       </p:sp>
       <p:pic>
         <p:nvPicPr>
-          <p:cNvPr id="7" name="Obraz 6">
-            <a:extLst>
-              <a:ext uri="{FF2B5EF4-FFF2-40B4-BE49-F238E27FC236}">
-                <a16:creationId xmlns:a16="http://schemas.microsoft.com/office/drawing/2014/main" id="{CD9FF1EB-BBFC-40B6-933C-EB93ED73C7C2}"/>
+          <p:cNvPr id="5" name="Symbol zastępczy zawartości 4">
+            <a:extLst>
+              <a:ext uri="{FF2B5EF4-FFF2-40B4-BE49-F238E27FC236}">
+                <a16:creationId xmlns:a16="http://schemas.microsoft.com/office/drawing/2014/main" id="{214AA832-8427-4FA5-B2A4-BBAE27D248D6}"/>
               </a:ext>
             </a:extLst>
           </p:cNvPr>
           <p:cNvPicPr>
-            <a:picLocks noChangeAspect="1"/>
+            <a:picLocks noGrp="1" noChangeAspect="1"/>
           </p:cNvPicPr>
-          <p:nvPr/>
+          <p:nvPr>
+            <p:ph idx="1"/>
+          </p:nvPr>
         </p:nvPicPr>
         <p:blipFill>
           <a:blip r:embed="rId3">
@@ -7516,18 +7777,15 @@
         </p:blipFill>
         <p:spPr>
           <a:xfrm>
-            <a:off x="838200" y="4194073"/>
-            <a:ext cx="9518074" cy="2298802"/>
+            <a:off x="914400" y="1711042"/>
+            <a:ext cx="10439399" cy="4614183"/>
           </a:xfrm>
-          <a:prstGeom prst="rect">
-            <a:avLst/>
-          </a:prstGeom>
         </p:spPr>
       </p:pic>
     </p:spTree>
     <p:extLst>
       <p:ext uri="{BB962C8B-B14F-4D97-AF65-F5344CB8AC3E}">
-        <p14:creationId xmlns:p14="http://schemas.microsoft.com/office/powerpoint/2010/main" val="480794199"/>
+        <p14:creationId xmlns:p14="http://schemas.microsoft.com/office/powerpoint/2010/main" val="3651000747"/>
       </p:ext>
     </p:extLst>
   </p:cSld>
@@ -8385,6 +8643,92 @@
 </a:themeOverride>
 </file>
 
+<file path=ppt/theme/themeOverride15.xml><?xml version="1.0" encoding="utf-8"?>
+<a:themeOverride xmlns:a="http://schemas.openxmlformats.org/drawingml/2006/main">
+  <a:clrScheme name="Pakiet Office">
+    <a:dk1>
+      <a:sysClr val="windowText" lastClr="000000"/>
+    </a:dk1>
+    <a:lt1>
+      <a:sysClr val="window" lastClr="FFFFFF"/>
+    </a:lt1>
+    <a:dk2>
+      <a:srgbClr val="44546A"/>
+    </a:dk2>
+    <a:lt2>
+      <a:srgbClr val="E7E6E6"/>
+    </a:lt2>
+    <a:accent1>
+      <a:srgbClr val="4472C4"/>
+    </a:accent1>
+    <a:accent2>
+      <a:srgbClr val="ED7D31"/>
+    </a:accent2>
+    <a:accent3>
+      <a:srgbClr val="A5A5A5"/>
+    </a:accent3>
+    <a:accent4>
+      <a:srgbClr val="FFC000"/>
+    </a:accent4>
+    <a:accent5>
+      <a:srgbClr val="5B9BD5"/>
+    </a:accent5>
+    <a:accent6>
+      <a:srgbClr val="70AD47"/>
+    </a:accent6>
+    <a:hlink>
+      <a:srgbClr val="0563C1"/>
+    </a:hlink>
+    <a:folHlink>
+      <a:srgbClr val="954F72"/>
+    </a:folHlink>
+  </a:clrScheme>
+</a:themeOverride>
+</file>
+
+<file path=ppt/theme/themeOverride16.xml><?xml version="1.0" encoding="utf-8"?>
+<a:themeOverride xmlns:a="http://schemas.openxmlformats.org/drawingml/2006/main">
+  <a:clrScheme name="Pakiet Office">
+    <a:dk1>
+      <a:sysClr val="windowText" lastClr="000000"/>
+    </a:dk1>
+    <a:lt1>
+      <a:sysClr val="window" lastClr="FFFFFF"/>
+    </a:lt1>
+    <a:dk2>
+      <a:srgbClr val="44546A"/>
+    </a:dk2>
+    <a:lt2>
+      <a:srgbClr val="E7E6E6"/>
+    </a:lt2>
+    <a:accent1>
+      <a:srgbClr val="4472C4"/>
+    </a:accent1>
+    <a:accent2>
+      <a:srgbClr val="ED7D31"/>
+    </a:accent2>
+    <a:accent3>
+      <a:srgbClr val="A5A5A5"/>
+    </a:accent3>
+    <a:accent4>
+      <a:srgbClr val="FFC000"/>
+    </a:accent4>
+    <a:accent5>
+      <a:srgbClr val="5B9BD5"/>
+    </a:accent5>
+    <a:accent6>
+      <a:srgbClr val="70AD47"/>
+    </a:accent6>
+    <a:hlink>
+      <a:srgbClr val="0563C1"/>
+    </a:hlink>
+    <a:folHlink>
+      <a:srgbClr val="954F72"/>
+    </a:folHlink>
+  </a:clrScheme>
+</a:themeOverride>
+</file>
+
 <file path=ppt/theme/themeOverride2.xml><?xml version="1.0" encoding="utf-8"?>
 <a:themeOverride xmlns:a="http://schemas.openxmlformats.org/drawingml/2006/main">
   <a:clrScheme name="Pakiet Office">
